--- a/Apotek Online.pptx
+++ b/Apotek Online.pptx
@@ -8,16 +8,26 @@
     <p:sldMasterId id="2147483724" r:id="rId4"/>
   </p:sldMasterIdLst>
   <p:notesMasterIdLst>
-    <p:notesMasterId r:id="rId9"/>
+    <p:notesMasterId r:id="rId19"/>
   </p:notesMasterIdLst>
   <p:handoutMasterIdLst>
-    <p:handoutMasterId r:id="rId10"/>
+    <p:handoutMasterId r:id="rId20"/>
   </p:handoutMasterIdLst>
   <p:sldIdLst>
     <p:sldId id="446" r:id="rId5"/>
     <p:sldId id="447" r:id="rId6"/>
     <p:sldId id="448" r:id="rId7"/>
     <p:sldId id="449" r:id="rId8"/>
+    <p:sldId id="450" r:id="rId9"/>
+    <p:sldId id="452" r:id="rId10"/>
+    <p:sldId id="453" r:id="rId11"/>
+    <p:sldId id="451" r:id="rId12"/>
+    <p:sldId id="454" r:id="rId13"/>
+    <p:sldId id="455" r:id="rId14"/>
+    <p:sldId id="456" r:id="rId15"/>
+    <p:sldId id="457" r:id="rId16"/>
+    <p:sldId id="458" r:id="rId17"/>
+    <p:sldId id="459" r:id="rId18"/>
   </p:sldIdLst>
   <p:sldSz cx="12192000" cy="6858000"/>
   <p:notesSz cx="6858000" cy="9144000"/>
@@ -273,7 +283,7 @@
           <a:p>
             <a:fld id="{E54A69E4-EFBB-4687-8058-A94EE1B5781B}" type="datetimeFigureOut">
               <a:rPr lang="en-US" smtClean="0"/>
-              <a:t>6/11/2022</a:t>
+              <a:t>6/13/2022</a:t>
             </a:fld>
             <a:endParaRPr lang="en-US" dirty="0"/>
           </a:p>
@@ -450,7 +460,7 @@
           <a:p>
             <a:fld id="{CDE546B2-EB9C-4E9C-8793-C25F32D58B9A}" type="datetimeFigureOut">
               <a:rPr lang="en-US" smtClean="0"/>
-              <a:t>6/11/2022</a:t>
+              <a:t>6/13/2022</a:t>
             </a:fld>
             <a:endParaRPr lang="en-US" dirty="0"/>
           </a:p>
@@ -4712,7 +4722,7 @@
           <a:p>
             <a:fld id="{8F310904-DE8F-4B8E-99C6-5AFA03672FFA}" type="datetimeFigureOut">
               <a:rPr lang="en-US" smtClean="0"/>
-              <a:t>6/11/2022</a:t>
+              <a:t>6/13/2022</a:t>
             </a:fld>
             <a:endParaRPr lang="en-US" dirty="0"/>
           </a:p>
@@ -5249,7 +5259,7 @@
           <a:p>
             <a:fld id="{8F310904-DE8F-4B8E-99C6-5AFA03672FFA}" type="datetimeFigureOut">
               <a:rPr lang="en-US" smtClean="0"/>
-              <a:t>6/11/2022</a:t>
+              <a:t>6/13/2022</a:t>
             </a:fld>
             <a:endParaRPr lang="en-US" dirty="0"/>
           </a:p>
@@ -5783,7 +5793,7 @@
           <a:p>
             <a:fld id="{8F310904-DE8F-4B8E-99C6-5AFA03672FFA}" type="datetimeFigureOut">
               <a:rPr lang="en-US" smtClean="0"/>
-              <a:t>6/11/2022</a:t>
+              <a:t>6/13/2022</a:t>
             </a:fld>
             <a:endParaRPr lang="en-US" dirty="0"/>
           </a:p>
@@ -6317,7 +6327,7 @@
           <a:p>
             <a:fld id="{8F310904-DE8F-4B8E-99C6-5AFA03672FFA}" type="datetimeFigureOut">
               <a:rPr lang="en-US" smtClean="0"/>
-              <a:t>6/11/2022</a:t>
+              <a:t>6/13/2022</a:t>
             </a:fld>
             <a:endParaRPr lang="en-US" dirty="0"/>
           </a:p>
@@ -6913,6 +6923,1637 @@
 </p:sld>
 </file>
 
+<file path=ppt/slides/slide10.xml><?xml version="1.0" encoding="utf-8"?>
+<p:sld xmlns:a="http://schemas.openxmlformats.org/drawingml/2006/main" xmlns:r="http://schemas.openxmlformats.org/officeDocument/2006/relationships" xmlns:p="http://schemas.openxmlformats.org/presentationml/2006/main">
+  <p:cSld>
+    <p:spTree>
+      <p:nvGrpSpPr>
+        <p:cNvPr id="1" name=""/>
+        <p:cNvGrpSpPr/>
+        <p:nvPr/>
+      </p:nvGrpSpPr>
+      <p:grpSpPr>
+        <a:xfrm>
+          <a:off x="0" y="0"/>
+          <a:ext cx="0" cy="0"/>
+          <a:chOff x="0" y="0"/>
+          <a:chExt cx="0" cy="0"/>
+        </a:xfrm>
+      </p:grpSpPr>
+      <p:pic>
+        <p:nvPicPr>
+          <p:cNvPr id="5" name="Picture 4">
+            <a:extLst>
+              <a:ext uri="{FF2B5EF4-FFF2-40B4-BE49-F238E27FC236}">
+                <a16:creationId xmlns:a16="http://schemas.microsoft.com/office/drawing/2014/main" id="{5F021EB9-9FC3-1990-F081-DB0C37BEF023}"/>
+              </a:ext>
+            </a:extLst>
+          </p:cNvPr>
+          <p:cNvPicPr>
+            <a:picLocks noChangeAspect="1"/>
+          </p:cNvPicPr>
+          <p:nvPr/>
+        </p:nvPicPr>
+        <p:blipFill>
+          <a:blip r:embed="rId2"/>
+          <a:stretch>
+            <a:fillRect/>
+          </a:stretch>
+        </p:blipFill>
+        <p:spPr>
+          <a:xfrm>
+            <a:off x="1837346" y="1418807"/>
+            <a:ext cx="8517308" cy="4613542"/>
+          </a:xfrm>
+          <a:prstGeom prst="rect">
+            <a:avLst/>
+          </a:prstGeom>
+        </p:spPr>
+      </p:pic>
+      <p:sp>
+        <p:nvSpPr>
+          <p:cNvPr id="14" name="TextBox 13">
+            <a:extLst>
+              <a:ext uri="{FF2B5EF4-FFF2-40B4-BE49-F238E27FC236}">
+                <a16:creationId xmlns:a16="http://schemas.microsoft.com/office/drawing/2014/main" id="{95158406-E475-13DE-3B3F-11802BB0782E}"/>
+              </a:ext>
+            </a:extLst>
+          </p:cNvPr>
+          <p:cNvSpPr txBox="1"/>
+          <p:nvPr/>
+        </p:nvSpPr>
+        <p:spPr>
+          <a:xfrm>
+            <a:off x="948267" y="567267"/>
+            <a:ext cx="10464800" cy="646331"/>
+          </a:xfrm>
+          <a:prstGeom prst="rect">
+            <a:avLst/>
+          </a:prstGeom>
+          <a:noFill/>
+        </p:spPr>
+        <p:txBody>
+          <a:bodyPr wrap="square" rtlCol="0">
+            <a:spAutoFit/>
+          </a:bodyPr>
+          <a:lstStyle/>
+          <a:p>
+            <a:r>
+              <a:rPr lang="en-US" sz="3600" dirty="0">
+                <a:solidFill>
+                  <a:srgbClr val="FFFFFF"/>
+                </a:solidFill>
+                <a:latin typeface="COCOGOOSE" panose="02000000000000000000" pitchFamily="2" charset="0"/>
+              </a:rPr>
+              <a:t>DOKUMENTASI</a:t>
+            </a:r>
+            <a:endParaRPr lang="en-ID" sz="3600" dirty="0">
+              <a:solidFill>
+                <a:srgbClr val="FFFFFF"/>
+              </a:solidFill>
+              <a:latin typeface="COCOGOOSE" panose="02000000000000000000" pitchFamily="2" charset="0"/>
+            </a:endParaRPr>
+          </a:p>
+        </p:txBody>
+      </p:sp>
+      <p:sp>
+        <p:nvSpPr>
+          <p:cNvPr id="4" name="TextBox 3">
+            <a:extLst>
+              <a:ext uri="{FF2B5EF4-FFF2-40B4-BE49-F238E27FC236}">
+                <a16:creationId xmlns:a16="http://schemas.microsoft.com/office/drawing/2014/main" id="{B12941E6-9476-7AF5-6228-21BEA590EEBD}"/>
+              </a:ext>
+            </a:extLst>
+          </p:cNvPr>
+          <p:cNvSpPr txBox="1"/>
+          <p:nvPr/>
+        </p:nvSpPr>
+        <p:spPr>
+          <a:xfrm>
+            <a:off x="221400" y="1411084"/>
+            <a:ext cx="2700471" cy="369332"/>
+          </a:xfrm>
+          <a:prstGeom prst="rect">
+            <a:avLst/>
+          </a:prstGeom>
+          <a:noFill/>
+        </p:spPr>
+        <p:txBody>
+          <a:bodyPr wrap="square" rtlCol="0">
+            <a:spAutoFit/>
+          </a:bodyPr>
+          <a:lstStyle/>
+          <a:p>
+            <a:r>
+              <a:rPr lang="en-US" dirty="0">
+                <a:solidFill>
+                  <a:schemeClr val="bg1"/>
+                </a:solidFill>
+              </a:rPr>
+              <a:t>User: Admin</a:t>
+            </a:r>
+            <a:endParaRPr lang="en-ID" dirty="0">
+              <a:solidFill>
+                <a:schemeClr val="bg1"/>
+              </a:solidFill>
+            </a:endParaRPr>
+          </a:p>
+        </p:txBody>
+      </p:sp>
+      <p:sp>
+        <p:nvSpPr>
+          <p:cNvPr id="7" name="TextBox 6">
+            <a:extLst>
+              <a:ext uri="{FF2B5EF4-FFF2-40B4-BE49-F238E27FC236}">
+                <a16:creationId xmlns:a16="http://schemas.microsoft.com/office/drawing/2014/main" id="{2EE886C4-464A-626A-C1A7-62F8756BDBF8}"/>
+              </a:ext>
+            </a:extLst>
+          </p:cNvPr>
+          <p:cNvSpPr txBox="1"/>
+          <p:nvPr/>
+        </p:nvSpPr>
+        <p:spPr>
+          <a:xfrm>
+            <a:off x="1640793" y="6237558"/>
+            <a:ext cx="3884856" cy="369332"/>
+          </a:xfrm>
+          <a:prstGeom prst="rect">
+            <a:avLst/>
+          </a:prstGeom>
+          <a:noFill/>
+        </p:spPr>
+        <p:txBody>
+          <a:bodyPr wrap="square" rtlCol="0">
+            <a:spAutoFit/>
+          </a:bodyPr>
+          <a:lstStyle/>
+          <a:p>
+            <a:r>
+              <a:rPr lang="en-US" dirty="0" err="1">
+                <a:solidFill>
+                  <a:schemeClr val="bg1"/>
+                </a:solidFill>
+              </a:rPr>
+              <a:t>Tampilan</a:t>
+            </a:r>
+            <a:r>
+              <a:rPr lang="en-US" dirty="0">
+                <a:solidFill>
+                  <a:schemeClr val="bg1"/>
+                </a:solidFill>
+              </a:rPr>
+              <a:t> </a:t>
+            </a:r>
+            <a:r>
+              <a:rPr lang="en-US" dirty="0" err="1">
+                <a:solidFill>
+                  <a:schemeClr val="bg1"/>
+                </a:solidFill>
+              </a:rPr>
+              <a:t>Penjualan</a:t>
+            </a:r>
+            <a:endParaRPr lang="en-US" dirty="0">
+              <a:solidFill>
+                <a:schemeClr val="bg1"/>
+              </a:solidFill>
+            </a:endParaRPr>
+          </a:p>
+        </p:txBody>
+      </p:sp>
+    </p:spTree>
+    <p:extLst>
+      <p:ext uri="{BB962C8B-B14F-4D97-AF65-F5344CB8AC3E}">
+        <p14:creationId xmlns:p14="http://schemas.microsoft.com/office/powerpoint/2010/main" val="3513874778"/>
+      </p:ext>
+    </p:extLst>
+  </p:cSld>
+  <p:clrMapOvr>
+    <a:masterClrMapping/>
+  </p:clrMapOvr>
+</p:sld>
+</file>
+
+<file path=ppt/slides/slide11.xml><?xml version="1.0" encoding="utf-8"?>
+<p:sld xmlns:a="http://schemas.openxmlformats.org/drawingml/2006/main" xmlns:r="http://schemas.openxmlformats.org/officeDocument/2006/relationships" xmlns:p="http://schemas.openxmlformats.org/presentationml/2006/main">
+  <p:cSld>
+    <p:spTree>
+      <p:nvGrpSpPr>
+        <p:cNvPr id="1" name=""/>
+        <p:cNvGrpSpPr/>
+        <p:nvPr/>
+      </p:nvGrpSpPr>
+      <p:grpSpPr>
+        <a:xfrm>
+          <a:off x="0" y="0"/>
+          <a:ext cx="0" cy="0"/>
+          <a:chOff x="0" y="0"/>
+          <a:chExt cx="0" cy="0"/>
+        </a:xfrm>
+      </p:grpSpPr>
+      <p:sp>
+        <p:nvSpPr>
+          <p:cNvPr id="14" name="TextBox 13">
+            <a:extLst>
+              <a:ext uri="{FF2B5EF4-FFF2-40B4-BE49-F238E27FC236}">
+                <a16:creationId xmlns:a16="http://schemas.microsoft.com/office/drawing/2014/main" id="{95158406-E475-13DE-3B3F-11802BB0782E}"/>
+              </a:ext>
+            </a:extLst>
+          </p:cNvPr>
+          <p:cNvSpPr txBox="1"/>
+          <p:nvPr/>
+        </p:nvSpPr>
+        <p:spPr>
+          <a:xfrm>
+            <a:off x="948267" y="567267"/>
+            <a:ext cx="10464800" cy="646331"/>
+          </a:xfrm>
+          <a:prstGeom prst="rect">
+            <a:avLst/>
+          </a:prstGeom>
+          <a:noFill/>
+        </p:spPr>
+        <p:txBody>
+          <a:bodyPr wrap="square" rtlCol="0">
+            <a:spAutoFit/>
+          </a:bodyPr>
+          <a:lstStyle/>
+          <a:p>
+            <a:r>
+              <a:rPr lang="en-US" sz="3600" dirty="0">
+                <a:solidFill>
+                  <a:srgbClr val="FFFFFF"/>
+                </a:solidFill>
+                <a:latin typeface="COCOGOOSE" panose="02000000000000000000" pitchFamily="2" charset="0"/>
+              </a:rPr>
+              <a:t>DOKUMENTASI</a:t>
+            </a:r>
+            <a:endParaRPr lang="en-ID" sz="3600" dirty="0">
+              <a:solidFill>
+                <a:srgbClr val="FFFFFF"/>
+              </a:solidFill>
+              <a:latin typeface="COCOGOOSE" panose="02000000000000000000" pitchFamily="2" charset="0"/>
+            </a:endParaRPr>
+          </a:p>
+        </p:txBody>
+      </p:sp>
+      <p:sp>
+        <p:nvSpPr>
+          <p:cNvPr id="4" name="TextBox 3">
+            <a:extLst>
+              <a:ext uri="{FF2B5EF4-FFF2-40B4-BE49-F238E27FC236}">
+                <a16:creationId xmlns:a16="http://schemas.microsoft.com/office/drawing/2014/main" id="{B12941E6-9476-7AF5-6228-21BEA590EEBD}"/>
+              </a:ext>
+            </a:extLst>
+          </p:cNvPr>
+          <p:cNvSpPr txBox="1"/>
+          <p:nvPr/>
+        </p:nvSpPr>
+        <p:spPr>
+          <a:xfrm>
+            <a:off x="221400" y="1411084"/>
+            <a:ext cx="2700471" cy="369332"/>
+          </a:xfrm>
+          <a:prstGeom prst="rect">
+            <a:avLst/>
+          </a:prstGeom>
+          <a:noFill/>
+        </p:spPr>
+        <p:txBody>
+          <a:bodyPr wrap="square" rtlCol="0">
+            <a:spAutoFit/>
+          </a:bodyPr>
+          <a:lstStyle/>
+          <a:p>
+            <a:r>
+              <a:rPr lang="en-US" dirty="0">
+                <a:solidFill>
+                  <a:schemeClr val="bg1"/>
+                </a:solidFill>
+              </a:rPr>
+              <a:t>User: user</a:t>
+            </a:r>
+            <a:endParaRPr lang="en-ID" dirty="0">
+              <a:solidFill>
+                <a:schemeClr val="bg1"/>
+              </a:solidFill>
+            </a:endParaRPr>
+          </a:p>
+        </p:txBody>
+      </p:sp>
+      <p:sp>
+        <p:nvSpPr>
+          <p:cNvPr id="7" name="TextBox 6">
+            <a:extLst>
+              <a:ext uri="{FF2B5EF4-FFF2-40B4-BE49-F238E27FC236}">
+                <a16:creationId xmlns:a16="http://schemas.microsoft.com/office/drawing/2014/main" id="{2EE886C4-464A-626A-C1A7-62F8756BDBF8}"/>
+              </a:ext>
+            </a:extLst>
+          </p:cNvPr>
+          <p:cNvSpPr txBox="1"/>
+          <p:nvPr/>
+        </p:nvSpPr>
+        <p:spPr>
+          <a:xfrm>
+            <a:off x="1640793" y="6237558"/>
+            <a:ext cx="3884856" cy="369332"/>
+          </a:xfrm>
+          <a:prstGeom prst="rect">
+            <a:avLst/>
+          </a:prstGeom>
+          <a:noFill/>
+        </p:spPr>
+        <p:txBody>
+          <a:bodyPr wrap="square" rtlCol="0">
+            <a:spAutoFit/>
+          </a:bodyPr>
+          <a:lstStyle/>
+          <a:p>
+            <a:r>
+              <a:rPr lang="en-US" dirty="0" err="1">
+                <a:solidFill>
+                  <a:schemeClr val="bg1"/>
+                </a:solidFill>
+              </a:rPr>
+              <a:t>Tampilan</a:t>
+            </a:r>
+            <a:r>
+              <a:rPr lang="en-US" dirty="0">
+                <a:solidFill>
+                  <a:schemeClr val="bg1"/>
+                </a:solidFill>
+              </a:rPr>
+              <a:t> Home (</a:t>
+            </a:r>
+            <a:r>
+              <a:rPr lang="en-US" dirty="0" err="1">
+                <a:solidFill>
+                  <a:schemeClr val="bg1"/>
+                </a:solidFill>
+              </a:rPr>
+              <a:t>setelah</a:t>
+            </a:r>
+            <a:r>
+              <a:rPr lang="en-US" dirty="0">
+                <a:solidFill>
+                  <a:schemeClr val="bg1"/>
+                </a:solidFill>
+              </a:rPr>
+              <a:t> Login)</a:t>
+            </a:r>
+          </a:p>
+        </p:txBody>
+      </p:sp>
+      <p:pic>
+        <p:nvPicPr>
+          <p:cNvPr id="3" name="Picture 2">
+            <a:extLst>
+              <a:ext uri="{FF2B5EF4-FFF2-40B4-BE49-F238E27FC236}">
+                <a16:creationId xmlns:a16="http://schemas.microsoft.com/office/drawing/2014/main" id="{848189FE-DF9F-4B99-DD17-D293FB65B23F}"/>
+              </a:ext>
+            </a:extLst>
+          </p:cNvPr>
+          <p:cNvPicPr>
+            <a:picLocks noChangeAspect="1"/>
+          </p:cNvPicPr>
+          <p:nvPr/>
+        </p:nvPicPr>
+        <p:blipFill>
+          <a:blip r:embed="rId2"/>
+          <a:stretch>
+            <a:fillRect/>
+          </a:stretch>
+        </p:blipFill>
+        <p:spPr>
+          <a:xfrm>
+            <a:off x="1995092" y="1341690"/>
+            <a:ext cx="8201816" cy="4442650"/>
+          </a:xfrm>
+          <a:prstGeom prst="rect">
+            <a:avLst/>
+          </a:prstGeom>
+        </p:spPr>
+      </p:pic>
+    </p:spTree>
+    <p:extLst>
+      <p:ext uri="{BB962C8B-B14F-4D97-AF65-F5344CB8AC3E}">
+        <p14:creationId xmlns:p14="http://schemas.microsoft.com/office/powerpoint/2010/main" val="2202548949"/>
+      </p:ext>
+    </p:extLst>
+  </p:cSld>
+  <p:clrMapOvr>
+    <a:masterClrMapping/>
+  </p:clrMapOvr>
+</p:sld>
+</file>
+
+<file path=ppt/slides/slide12.xml><?xml version="1.0" encoding="utf-8"?>
+<p:sld xmlns:a="http://schemas.openxmlformats.org/drawingml/2006/main" xmlns:r="http://schemas.openxmlformats.org/officeDocument/2006/relationships" xmlns:p="http://schemas.openxmlformats.org/presentationml/2006/main">
+  <p:cSld>
+    <p:spTree>
+      <p:nvGrpSpPr>
+        <p:cNvPr id="1" name=""/>
+        <p:cNvGrpSpPr/>
+        <p:nvPr/>
+      </p:nvGrpSpPr>
+      <p:grpSpPr>
+        <a:xfrm>
+          <a:off x="0" y="0"/>
+          <a:ext cx="0" cy="0"/>
+          <a:chOff x="0" y="0"/>
+          <a:chExt cx="0" cy="0"/>
+        </a:xfrm>
+      </p:grpSpPr>
+      <p:sp>
+        <p:nvSpPr>
+          <p:cNvPr id="14" name="TextBox 13">
+            <a:extLst>
+              <a:ext uri="{FF2B5EF4-FFF2-40B4-BE49-F238E27FC236}">
+                <a16:creationId xmlns:a16="http://schemas.microsoft.com/office/drawing/2014/main" id="{95158406-E475-13DE-3B3F-11802BB0782E}"/>
+              </a:ext>
+            </a:extLst>
+          </p:cNvPr>
+          <p:cNvSpPr txBox="1"/>
+          <p:nvPr/>
+        </p:nvSpPr>
+        <p:spPr>
+          <a:xfrm>
+            <a:off x="948267" y="567267"/>
+            <a:ext cx="10464800" cy="646331"/>
+          </a:xfrm>
+          <a:prstGeom prst="rect">
+            <a:avLst/>
+          </a:prstGeom>
+          <a:noFill/>
+        </p:spPr>
+        <p:txBody>
+          <a:bodyPr wrap="square" rtlCol="0">
+            <a:spAutoFit/>
+          </a:bodyPr>
+          <a:lstStyle/>
+          <a:p>
+            <a:r>
+              <a:rPr lang="en-US" sz="3600" dirty="0">
+                <a:solidFill>
+                  <a:srgbClr val="FFFFFF"/>
+                </a:solidFill>
+                <a:latin typeface="COCOGOOSE" panose="02000000000000000000" pitchFamily="2" charset="0"/>
+              </a:rPr>
+              <a:t>DOKUMENTASI</a:t>
+            </a:r>
+            <a:endParaRPr lang="en-ID" sz="3600" dirty="0">
+              <a:solidFill>
+                <a:srgbClr val="FFFFFF"/>
+              </a:solidFill>
+              <a:latin typeface="COCOGOOSE" panose="02000000000000000000" pitchFamily="2" charset="0"/>
+            </a:endParaRPr>
+          </a:p>
+        </p:txBody>
+      </p:sp>
+      <p:sp>
+        <p:nvSpPr>
+          <p:cNvPr id="4" name="TextBox 3">
+            <a:extLst>
+              <a:ext uri="{FF2B5EF4-FFF2-40B4-BE49-F238E27FC236}">
+                <a16:creationId xmlns:a16="http://schemas.microsoft.com/office/drawing/2014/main" id="{B12941E6-9476-7AF5-6228-21BEA590EEBD}"/>
+              </a:ext>
+            </a:extLst>
+          </p:cNvPr>
+          <p:cNvSpPr txBox="1"/>
+          <p:nvPr/>
+        </p:nvSpPr>
+        <p:spPr>
+          <a:xfrm>
+            <a:off x="221400" y="1411084"/>
+            <a:ext cx="2700471" cy="369332"/>
+          </a:xfrm>
+          <a:prstGeom prst="rect">
+            <a:avLst/>
+          </a:prstGeom>
+          <a:noFill/>
+        </p:spPr>
+        <p:txBody>
+          <a:bodyPr wrap="square" rtlCol="0">
+            <a:spAutoFit/>
+          </a:bodyPr>
+          <a:lstStyle/>
+          <a:p>
+            <a:r>
+              <a:rPr lang="en-US" dirty="0">
+                <a:solidFill>
+                  <a:schemeClr val="bg1"/>
+                </a:solidFill>
+              </a:rPr>
+              <a:t>User: user</a:t>
+            </a:r>
+            <a:endParaRPr lang="en-ID" dirty="0">
+              <a:solidFill>
+                <a:schemeClr val="bg1"/>
+              </a:solidFill>
+            </a:endParaRPr>
+          </a:p>
+        </p:txBody>
+      </p:sp>
+      <p:sp>
+        <p:nvSpPr>
+          <p:cNvPr id="7" name="TextBox 6">
+            <a:extLst>
+              <a:ext uri="{FF2B5EF4-FFF2-40B4-BE49-F238E27FC236}">
+                <a16:creationId xmlns:a16="http://schemas.microsoft.com/office/drawing/2014/main" id="{2EE886C4-464A-626A-C1A7-62F8756BDBF8}"/>
+              </a:ext>
+            </a:extLst>
+          </p:cNvPr>
+          <p:cNvSpPr txBox="1"/>
+          <p:nvPr/>
+        </p:nvSpPr>
+        <p:spPr>
+          <a:xfrm>
+            <a:off x="1640793" y="6237558"/>
+            <a:ext cx="3884856" cy="369332"/>
+          </a:xfrm>
+          <a:prstGeom prst="rect">
+            <a:avLst/>
+          </a:prstGeom>
+          <a:noFill/>
+        </p:spPr>
+        <p:txBody>
+          <a:bodyPr wrap="square" rtlCol="0">
+            <a:spAutoFit/>
+          </a:bodyPr>
+          <a:lstStyle/>
+          <a:p>
+            <a:r>
+              <a:rPr lang="en-US" dirty="0" err="1">
+                <a:solidFill>
+                  <a:schemeClr val="bg1"/>
+                </a:solidFill>
+              </a:rPr>
+              <a:t>Tampilan</a:t>
+            </a:r>
+            <a:r>
+              <a:rPr lang="en-US" dirty="0">
+                <a:solidFill>
+                  <a:schemeClr val="bg1"/>
+                </a:solidFill>
+              </a:rPr>
+              <a:t> Riwayat </a:t>
+            </a:r>
+            <a:r>
+              <a:rPr lang="en-US" dirty="0" err="1">
+                <a:solidFill>
+                  <a:schemeClr val="bg1"/>
+                </a:solidFill>
+              </a:rPr>
+              <a:t>pesanan</a:t>
+            </a:r>
+            <a:endParaRPr lang="en-US" dirty="0">
+              <a:solidFill>
+                <a:schemeClr val="bg1"/>
+              </a:solidFill>
+            </a:endParaRPr>
+          </a:p>
+        </p:txBody>
+      </p:sp>
+      <p:pic>
+        <p:nvPicPr>
+          <p:cNvPr id="5" name="Picture 4">
+            <a:extLst>
+              <a:ext uri="{FF2B5EF4-FFF2-40B4-BE49-F238E27FC236}">
+                <a16:creationId xmlns:a16="http://schemas.microsoft.com/office/drawing/2014/main" id="{3D69E6AB-13D5-9015-1DF5-F78463F9D0BE}"/>
+              </a:ext>
+            </a:extLst>
+          </p:cNvPr>
+          <p:cNvPicPr>
+            <a:picLocks noChangeAspect="1"/>
+          </p:cNvPicPr>
+          <p:nvPr/>
+        </p:nvPicPr>
+        <p:blipFill>
+          <a:blip r:embed="rId2"/>
+          <a:stretch>
+            <a:fillRect/>
+          </a:stretch>
+        </p:blipFill>
+        <p:spPr>
+          <a:xfrm>
+            <a:off x="1800751" y="1595750"/>
+            <a:ext cx="8590498" cy="4653186"/>
+          </a:xfrm>
+          <a:prstGeom prst="rect">
+            <a:avLst/>
+          </a:prstGeom>
+        </p:spPr>
+      </p:pic>
+    </p:spTree>
+    <p:extLst>
+      <p:ext uri="{BB962C8B-B14F-4D97-AF65-F5344CB8AC3E}">
+        <p14:creationId xmlns:p14="http://schemas.microsoft.com/office/powerpoint/2010/main" val="3307578324"/>
+      </p:ext>
+    </p:extLst>
+  </p:cSld>
+  <p:clrMapOvr>
+    <a:masterClrMapping/>
+  </p:clrMapOvr>
+</p:sld>
+</file>
+
+<file path=ppt/slides/slide13.xml><?xml version="1.0" encoding="utf-8"?>
+<p:sld xmlns:a="http://schemas.openxmlformats.org/drawingml/2006/main" xmlns:r="http://schemas.openxmlformats.org/officeDocument/2006/relationships" xmlns:p="http://schemas.openxmlformats.org/presentationml/2006/main">
+  <p:cSld>
+    <p:spTree>
+      <p:nvGrpSpPr>
+        <p:cNvPr id="1" name=""/>
+        <p:cNvGrpSpPr/>
+        <p:nvPr/>
+      </p:nvGrpSpPr>
+      <p:grpSpPr>
+        <a:xfrm>
+          <a:off x="0" y="0"/>
+          <a:ext cx="0" cy="0"/>
+          <a:chOff x="0" y="0"/>
+          <a:chExt cx="0" cy="0"/>
+        </a:xfrm>
+      </p:grpSpPr>
+      <p:sp>
+        <p:nvSpPr>
+          <p:cNvPr id="14" name="TextBox 13">
+            <a:extLst>
+              <a:ext uri="{FF2B5EF4-FFF2-40B4-BE49-F238E27FC236}">
+                <a16:creationId xmlns:a16="http://schemas.microsoft.com/office/drawing/2014/main" id="{95158406-E475-13DE-3B3F-11802BB0782E}"/>
+              </a:ext>
+            </a:extLst>
+          </p:cNvPr>
+          <p:cNvSpPr txBox="1"/>
+          <p:nvPr/>
+        </p:nvSpPr>
+        <p:spPr>
+          <a:xfrm>
+            <a:off x="948267" y="567267"/>
+            <a:ext cx="10464800" cy="646331"/>
+          </a:xfrm>
+          <a:prstGeom prst="rect">
+            <a:avLst/>
+          </a:prstGeom>
+          <a:noFill/>
+        </p:spPr>
+        <p:txBody>
+          <a:bodyPr wrap="square" rtlCol="0">
+            <a:spAutoFit/>
+          </a:bodyPr>
+          <a:lstStyle/>
+          <a:p>
+            <a:r>
+              <a:rPr lang="en-US" sz="3600" dirty="0">
+                <a:solidFill>
+                  <a:srgbClr val="FFFFFF"/>
+                </a:solidFill>
+                <a:latin typeface="COCOGOOSE" panose="02000000000000000000" pitchFamily="2" charset="0"/>
+              </a:rPr>
+              <a:t>DOKUMENTASI</a:t>
+            </a:r>
+            <a:endParaRPr lang="en-ID" sz="3600" dirty="0">
+              <a:solidFill>
+                <a:srgbClr val="FFFFFF"/>
+              </a:solidFill>
+              <a:latin typeface="COCOGOOSE" panose="02000000000000000000" pitchFamily="2" charset="0"/>
+            </a:endParaRPr>
+          </a:p>
+        </p:txBody>
+      </p:sp>
+      <p:sp>
+        <p:nvSpPr>
+          <p:cNvPr id="4" name="TextBox 3">
+            <a:extLst>
+              <a:ext uri="{FF2B5EF4-FFF2-40B4-BE49-F238E27FC236}">
+                <a16:creationId xmlns:a16="http://schemas.microsoft.com/office/drawing/2014/main" id="{B12941E6-9476-7AF5-6228-21BEA590EEBD}"/>
+              </a:ext>
+            </a:extLst>
+          </p:cNvPr>
+          <p:cNvSpPr txBox="1"/>
+          <p:nvPr/>
+        </p:nvSpPr>
+        <p:spPr>
+          <a:xfrm>
+            <a:off x="221400" y="1411084"/>
+            <a:ext cx="2700471" cy="369332"/>
+          </a:xfrm>
+          <a:prstGeom prst="rect">
+            <a:avLst/>
+          </a:prstGeom>
+          <a:noFill/>
+        </p:spPr>
+        <p:txBody>
+          <a:bodyPr wrap="square" rtlCol="0">
+            <a:spAutoFit/>
+          </a:bodyPr>
+          <a:lstStyle/>
+          <a:p>
+            <a:r>
+              <a:rPr lang="en-US" dirty="0">
+                <a:solidFill>
+                  <a:schemeClr val="bg1"/>
+                </a:solidFill>
+              </a:rPr>
+              <a:t>User: user</a:t>
+            </a:r>
+            <a:endParaRPr lang="en-ID" dirty="0">
+              <a:solidFill>
+                <a:schemeClr val="bg1"/>
+              </a:solidFill>
+            </a:endParaRPr>
+          </a:p>
+        </p:txBody>
+      </p:sp>
+      <p:sp>
+        <p:nvSpPr>
+          <p:cNvPr id="7" name="TextBox 6">
+            <a:extLst>
+              <a:ext uri="{FF2B5EF4-FFF2-40B4-BE49-F238E27FC236}">
+                <a16:creationId xmlns:a16="http://schemas.microsoft.com/office/drawing/2014/main" id="{2EE886C4-464A-626A-C1A7-62F8756BDBF8}"/>
+              </a:ext>
+            </a:extLst>
+          </p:cNvPr>
+          <p:cNvSpPr txBox="1"/>
+          <p:nvPr/>
+        </p:nvSpPr>
+        <p:spPr>
+          <a:xfrm>
+            <a:off x="1640793" y="6237558"/>
+            <a:ext cx="3884856" cy="369332"/>
+          </a:xfrm>
+          <a:prstGeom prst="rect">
+            <a:avLst/>
+          </a:prstGeom>
+          <a:noFill/>
+        </p:spPr>
+        <p:txBody>
+          <a:bodyPr wrap="square" rtlCol="0">
+            <a:spAutoFit/>
+          </a:bodyPr>
+          <a:lstStyle/>
+          <a:p>
+            <a:r>
+              <a:rPr lang="en-US" dirty="0" err="1">
+                <a:solidFill>
+                  <a:schemeClr val="bg1"/>
+                </a:solidFill>
+              </a:rPr>
+              <a:t>Tampilan</a:t>
+            </a:r>
+            <a:r>
+              <a:rPr lang="en-US" dirty="0">
+                <a:solidFill>
+                  <a:schemeClr val="bg1"/>
+                </a:solidFill>
+              </a:rPr>
+              <a:t> Cart (</a:t>
+            </a:r>
+            <a:r>
+              <a:rPr lang="en-US" dirty="0" err="1">
+                <a:solidFill>
+                  <a:schemeClr val="bg1"/>
+                </a:solidFill>
+              </a:rPr>
+              <a:t>keranjang</a:t>
+            </a:r>
+            <a:r>
+              <a:rPr lang="en-US" dirty="0">
+                <a:solidFill>
+                  <a:schemeClr val="bg1"/>
+                </a:solidFill>
+              </a:rPr>
+              <a:t> </a:t>
+            </a:r>
+            <a:r>
+              <a:rPr lang="en-US" dirty="0" err="1">
+                <a:solidFill>
+                  <a:schemeClr val="bg1"/>
+                </a:solidFill>
+              </a:rPr>
+              <a:t>belanja</a:t>
+            </a:r>
+            <a:r>
+              <a:rPr lang="en-US" dirty="0">
+                <a:solidFill>
+                  <a:schemeClr val="bg1"/>
+                </a:solidFill>
+              </a:rPr>
+              <a:t>)</a:t>
+            </a:r>
+          </a:p>
+        </p:txBody>
+      </p:sp>
+      <p:pic>
+        <p:nvPicPr>
+          <p:cNvPr id="3" name="Picture 2">
+            <a:extLst>
+              <a:ext uri="{FF2B5EF4-FFF2-40B4-BE49-F238E27FC236}">
+                <a16:creationId xmlns:a16="http://schemas.microsoft.com/office/drawing/2014/main" id="{390EBA36-7D5D-9C1A-21C8-6DC0EDD756CB}"/>
+              </a:ext>
+            </a:extLst>
+          </p:cNvPr>
+          <p:cNvPicPr>
+            <a:picLocks noChangeAspect="1"/>
+          </p:cNvPicPr>
+          <p:nvPr/>
+        </p:nvPicPr>
+        <p:blipFill>
+          <a:blip r:embed="rId2"/>
+          <a:stretch>
+            <a:fillRect/>
+          </a:stretch>
+        </p:blipFill>
+        <p:spPr>
+          <a:xfrm>
+            <a:off x="2221907" y="1627111"/>
+            <a:ext cx="7748186" cy="4196934"/>
+          </a:xfrm>
+          <a:prstGeom prst="rect">
+            <a:avLst/>
+          </a:prstGeom>
+        </p:spPr>
+      </p:pic>
+    </p:spTree>
+    <p:extLst>
+      <p:ext uri="{BB962C8B-B14F-4D97-AF65-F5344CB8AC3E}">
+        <p14:creationId xmlns:p14="http://schemas.microsoft.com/office/powerpoint/2010/main" val="237216851"/>
+      </p:ext>
+    </p:extLst>
+  </p:cSld>
+  <p:clrMapOvr>
+    <a:masterClrMapping/>
+  </p:clrMapOvr>
+</p:sld>
+</file>
+
+<file path=ppt/slides/slide14.xml><?xml version="1.0" encoding="utf-8"?>
+<p:sld xmlns:a="http://schemas.openxmlformats.org/drawingml/2006/main" xmlns:r="http://schemas.openxmlformats.org/officeDocument/2006/relationships" xmlns:p="http://schemas.openxmlformats.org/presentationml/2006/main">
+  <p:cSld>
+    <p:spTree>
+      <p:nvGrpSpPr>
+        <p:cNvPr id="1" name=""/>
+        <p:cNvGrpSpPr/>
+        <p:nvPr/>
+      </p:nvGrpSpPr>
+      <p:grpSpPr>
+        <a:xfrm>
+          <a:off x="0" y="0"/>
+          <a:ext cx="0" cy="0"/>
+          <a:chOff x="0" y="0"/>
+          <a:chExt cx="0" cy="0"/>
+        </a:xfrm>
+      </p:grpSpPr>
+      <p:sp>
+        <p:nvSpPr>
+          <p:cNvPr id="14" name="TextBox 13">
+            <a:extLst>
+              <a:ext uri="{FF2B5EF4-FFF2-40B4-BE49-F238E27FC236}">
+                <a16:creationId xmlns:a16="http://schemas.microsoft.com/office/drawing/2014/main" id="{95158406-E475-13DE-3B3F-11802BB0782E}"/>
+              </a:ext>
+            </a:extLst>
+          </p:cNvPr>
+          <p:cNvSpPr txBox="1"/>
+          <p:nvPr/>
+        </p:nvSpPr>
+        <p:spPr>
+          <a:xfrm>
+            <a:off x="948267" y="567267"/>
+            <a:ext cx="10464800" cy="646331"/>
+          </a:xfrm>
+          <a:prstGeom prst="rect">
+            <a:avLst/>
+          </a:prstGeom>
+          <a:noFill/>
+        </p:spPr>
+        <p:txBody>
+          <a:bodyPr wrap="square" rtlCol="0">
+            <a:spAutoFit/>
+          </a:bodyPr>
+          <a:lstStyle/>
+          <a:p>
+            <a:r>
+              <a:rPr lang="en-US" sz="3600" dirty="0">
+                <a:solidFill>
+                  <a:srgbClr val="FFFFFF"/>
+                </a:solidFill>
+                <a:latin typeface="COCOGOOSE" panose="02000000000000000000" pitchFamily="2" charset="0"/>
+              </a:rPr>
+              <a:t>Demo Web</a:t>
+            </a:r>
+            <a:endParaRPr lang="en-ID" sz="3600" dirty="0">
+              <a:solidFill>
+                <a:srgbClr val="FFFFFF"/>
+              </a:solidFill>
+              <a:latin typeface="COCOGOOSE" panose="02000000000000000000" pitchFamily="2" charset="0"/>
+            </a:endParaRPr>
+          </a:p>
+        </p:txBody>
+      </p:sp>
+      <p:sp>
+        <p:nvSpPr>
+          <p:cNvPr id="2" name="TextBox 1">
+            <a:extLst>
+              <a:ext uri="{FF2B5EF4-FFF2-40B4-BE49-F238E27FC236}">
+                <a16:creationId xmlns:a16="http://schemas.microsoft.com/office/drawing/2014/main" id="{CF7E7944-D9CD-A7B9-E9BC-DCD682975A9A}"/>
+              </a:ext>
+            </a:extLst>
+          </p:cNvPr>
+          <p:cNvSpPr txBox="1"/>
+          <p:nvPr/>
+        </p:nvSpPr>
+        <p:spPr>
+          <a:xfrm>
+            <a:off x="350378" y="1965533"/>
+            <a:ext cx="10861704" cy="4524315"/>
+          </a:xfrm>
+          <a:prstGeom prst="rect">
+            <a:avLst/>
+          </a:prstGeom>
+          <a:noFill/>
+        </p:spPr>
+        <p:txBody>
+          <a:bodyPr wrap="square" rtlCol="0">
+            <a:spAutoFit/>
+          </a:bodyPr>
+          <a:lstStyle/>
+          <a:p>
+            <a:r>
+              <a:rPr lang="en-US" dirty="0">
+                <a:solidFill>
+                  <a:schemeClr val="bg1"/>
+                </a:solidFill>
+              </a:rPr>
+              <a:t>Bapak </a:t>
+            </a:r>
+            <a:r>
+              <a:rPr lang="en-US" dirty="0" err="1">
+                <a:solidFill>
+                  <a:schemeClr val="bg1"/>
+                </a:solidFill>
+              </a:rPr>
+              <a:t>Dosen</a:t>
+            </a:r>
+            <a:r>
+              <a:rPr lang="en-US" dirty="0">
+                <a:solidFill>
+                  <a:schemeClr val="bg1"/>
+                </a:solidFill>
+              </a:rPr>
+              <a:t> yang </a:t>
+            </a:r>
+            <a:r>
+              <a:rPr lang="en-US" dirty="0" err="1">
+                <a:solidFill>
+                  <a:schemeClr val="bg1"/>
+                </a:solidFill>
+              </a:rPr>
+              <a:t>terhormat</a:t>
+            </a:r>
+            <a:r>
+              <a:rPr lang="en-US" dirty="0">
+                <a:solidFill>
+                  <a:schemeClr val="bg1"/>
+                </a:solidFill>
+              </a:rPr>
+              <a:t> dan </a:t>
+            </a:r>
+            <a:r>
+              <a:rPr lang="en-US" dirty="0" err="1">
+                <a:solidFill>
+                  <a:schemeClr val="bg1"/>
+                </a:solidFill>
+              </a:rPr>
+              <a:t>teman-teman</a:t>
+            </a:r>
+            <a:r>
+              <a:rPr lang="en-US" dirty="0">
+                <a:solidFill>
+                  <a:schemeClr val="bg1"/>
+                </a:solidFill>
+              </a:rPr>
+              <a:t> </a:t>
+            </a:r>
+            <a:r>
+              <a:rPr lang="en-US" dirty="0" err="1">
+                <a:solidFill>
+                  <a:schemeClr val="bg1"/>
+                </a:solidFill>
+              </a:rPr>
+              <a:t>dapat</a:t>
+            </a:r>
+            <a:r>
+              <a:rPr lang="en-US" dirty="0">
+                <a:solidFill>
+                  <a:schemeClr val="bg1"/>
+                </a:solidFill>
+              </a:rPr>
+              <a:t> </a:t>
+            </a:r>
+            <a:r>
+              <a:rPr lang="en-US" dirty="0" err="1">
+                <a:solidFill>
+                  <a:schemeClr val="bg1"/>
+                </a:solidFill>
+              </a:rPr>
+              <a:t>langsung</a:t>
+            </a:r>
+            <a:r>
+              <a:rPr lang="en-US" dirty="0">
+                <a:solidFill>
+                  <a:schemeClr val="bg1"/>
+                </a:solidFill>
+              </a:rPr>
+              <a:t> </a:t>
+            </a:r>
+            <a:r>
+              <a:rPr lang="en-US" dirty="0" err="1">
+                <a:solidFill>
+                  <a:schemeClr val="bg1"/>
+                </a:solidFill>
+              </a:rPr>
+              <a:t>mencoba</a:t>
+            </a:r>
+            <a:r>
+              <a:rPr lang="en-US" dirty="0">
+                <a:solidFill>
+                  <a:schemeClr val="bg1"/>
+                </a:solidFill>
+              </a:rPr>
+              <a:t> web kami </a:t>
+            </a:r>
+            <a:r>
+              <a:rPr lang="en-US" dirty="0" err="1">
+                <a:solidFill>
+                  <a:schemeClr val="bg1"/>
+                </a:solidFill>
+              </a:rPr>
+              <a:t>dengan</a:t>
+            </a:r>
+            <a:r>
+              <a:rPr lang="en-US" dirty="0">
+                <a:solidFill>
+                  <a:schemeClr val="bg1"/>
+                </a:solidFill>
+              </a:rPr>
+              <a:t> </a:t>
+            </a:r>
+            <a:r>
+              <a:rPr lang="en-US" dirty="0" err="1">
+                <a:solidFill>
+                  <a:schemeClr val="bg1"/>
+                </a:solidFill>
+              </a:rPr>
+              <a:t>mengakses</a:t>
+            </a:r>
+            <a:r>
+              <a:rPr lang="en-US" dirty="0">
+                <a:solidFill>
+                  <a:schemeClr val="bg1"/>
+                </a:solidFill>
+              </a:rPr>
+              <a:t> link </a:t>
+            </a:r>
+            <a:r>
+              <a:rPr lang="en-US" dirty="0" err="1">
+                <a:solidFill>
+                  <a:schemeClr val="bg1"/>
+                </a:solidFill>
+              </a:rPr>
+              <a:t>berikut</a:t>
+            </a:r>
+            <a:r>
+              <a:rPr lang="en-US" dirty="0">
+                <a:solidFill>
+                  <a:schemeClr val="bg1"/>
+                </a:solidFill>
+              </a:rPr>
+              <a:t>:</a:t>
+            </a:r>
+            <a:br>
+              <a:rPr lang="en-US" dirty="0">
+                <a:solidFill>
+                  <a:schemeClr val="bg1"/>
+                </a:solidFill>
+              </a:rPr>
+            </a:br>
+            <a:r>
+              <a:rPr lang="en-US" dirty="0">
+                <a:solidFill>
+                  <a:schemeClr val="bg1"/>
+                </a:solidFill>
+                <a:hlinkClick r:id="rId2">
+                  <a:extLst>
+                    <a:ext uri="{A12FA001-AC4F-418D-AE19-62706E023703}">
+                      <ahyp:hlinkClr xmlns:ahyp="http://schemas.microsoft.com/office/drawing/2018/hyperlinkcolor" val="tx"/>
+                    </a:ext>
+                  </a:extLst>
+                </a:hlinkClick>
+              </a:rPr>
+              <a:t>http://apotekonline.ddns.net/ApotekOnline</a:t>
+            </a:r>
+            <a:r>
+              <a:rPr lang="en-US" dirty="0">
+                <a:solidFill>
+                  <a:schemeClr val="bg1"/>
+                </a:solidFill>
+              </a:rPr>
+              <a:t> (link </a:t>
+            </a:r>
+            <a:r>
+              <a:rPr lang="en-US" dirty="0" err="1">
+                <a:solidFill>
+                  <a:schemeClr val="bg1"/>
+                </a:solidFill>
+              </a:rPr>
+              <a:t>akan</a:t>
+            </a:r>
+            <a:r>
+              <a:rPr lang="en-US" dirty="0">
+                <a:solidFill>
+                  <a:schemeClr val="bg1"/>
+                </a:solidFill>
+              </a:rPr>
+              <a:t> </a:t>
+            </a:r>
+            <a:r>
+              <a:rPr lang="en-US" dirty="0" err="1">
+                <a:solidFill>
+                  <a:schemeClr val="bg1"/>
+                </a:solidFill>
+              </a:rPr>
+              <a:t>dibagikan</a:t>
+            </a:r>
+            <a:r>
+              <a:rPr lang="en-US" dirty="0">
+                <a:solidFill>
+                  <a:schemeClr val="bg1"/>
+                </a:solidFill>
+              </a:rPr>
+              <a:t> pada </a:t>
+            </a:r>
+            <a:r>
+              <a:rPr lang="en-US" dirty="0" err="1">
+                <a:solidFill>
+                  <a:schemeClr val="bg1"/>
+                </a:solidFill>
+              </a:rPr>
+              <a:t>kolom</a:t>
+            </a:r>
+            <a:r>
+              <a:rPr lang="en-US" dirty="0">
+                <a:solidFill>
+                  <a:schemeClr val="bg1"/>
+                </a:solidFill>
+              </a:rPr>
+              <a:t> chat zoom)</a:t>
+            </a:r>
+          </a:p>
+          <a:p>
+            <a:endParaRPr lang="en-US" dirty="0">
+              <a:solidFill>
+                <a:schemeClr val="bg1"/>
+              </a:solidFill>
+            </a:endParaRPr>
+          </a:p>
+          <a:p>
+            <a:r>
+              <a:rPr lang="en-US" dirty="0">
+                <a:solidFill>
+                  <a:schemeClr val="bg1"/>
+                </a:solidFill>
+              </a:rPr>
+              <a:t>Bapak </a:t>
+            </a:r>
+            <a:r>
+              <a:rPr lang="en-US" dirty="0" err="1">
+                <a:solidFill>
+                  <a:schemeClr val="bg1"/>
+                </a:solidFill>
+              </a:rPr>
+              <a:t>Dosen</a:t>
+            </a:r>
+            <a:r>
+              <a:rPr lang="en-US" dirty="0">
+                <a:solidFill>
+                  <a:schemeClr val="bg1"/>
+                </a:solidFill>
+              </a:rPr>
+              <a:t> dan </a:t>
+            </a:r>
+            <a:r>
+              <a:rPr lang="en-US" dirty="0" err="1">
+                <a:solidFill>
+                  <a:schemeClr val="bg1"/>
+                </a:solidFill>
+              </a:rPr>
+              <a:t>teman-teman</a:t>
+            </a:r>
+            <a:r>
+              <a:rPr lang="en-US" dirty="0">
+                <a:solidFill>
+                  <a:schemeClr val="bg1"/>
+                </a:solidFill>
+              </a:rPr>
+              <a:t> </a:t>
+            </a:r>
+            <a:r>
+              <a:rPr lang="en-US" dirty="0" err="1">
+                <a:solidFill>
+                  <a:schemeClr val="bg1"/>
+                </a:solidFill>
+              </a:rPr>
+              <a:t>bisa</a:t>
+            </a:r>
+            <a:r>
+              <a:rPr lang="en-US" dirty="0">
+                <a:solidFill>
+                  <a:schemeClr val="bg1"/>
+                </a:solidFill>
+              </a:rPr>
+              <a:t> </a:t>
+            </a:r>
+            <a:r>
+              <a:rPr lang="en-US" dirty="0" err="1">
+                <a:solidFill>
+                  <a:schemeClr val="bg1"/>
+                </a:solidFill>
+              </a:rPr>
+              <a:t>mencoba</a:t>
+            </a:r>
+            <a:r>
+              <a:rPr lang="en-US" dirty="0">
+                <a:solidFill>
+                  <a:schemeClr val="bg1"/>
+                </a:solidFill>
+              </a:rPr>
+              <a:t> </a:t>
+            </a:r>
+            <a:r>
+              <a:rPr lang="en-US" dirty="0" err="1">
+                <a:solidFill>
+                  <a:schemeClr val="bg1"/>
+                </a:solidFill>
+              </a:rPr>
+              <a:t>mendaftarkan</a:t>
+            </a:r>
+            <a:r>
+              <a:rPr lang="en-US" dirty="0">
+                <a:solidFill>
+                  <a:schemeClr val="bg1"/>
+                </a:solidFill>
+              </a:rPr>
+              <a:t> </a:t>
+            </a:r>
+            <a:r>
+              <a:rPr lang="en-US" dirty="0" err="1">
+                <a:solidFill>
+                  <a:schemeClr val="bg1"/>
+                </a:solidFill>
+              </a:rPr>
+              <a:t>diri</a:t>
+            </a:r>
+            <a:r>
+              <a:rPr lang="en-US" dirty="0">
+                <a:solidFill>
+                  <a:schemeClr val="bg1"/>
+                </a:solidFill>
+              </a:rPr>
+              <a:t> </a:t>
+            </a:r>
+            <a:r>
+              <a:rPr lang="en-US" dirty="0" err="1">
+                <a:solidFill>
+                  <a:schemeClr val="bg1"/>
+                </a:solidFill>
+              </a:rPr>
+              <a:t>dengan</a:t>
+            </a:r>
+            <a:r>
+              <a:rPr lang="en-US" dirty="0">
+                <a:solidFill>
+                  <a:schemeClr val="bg1"/>
+                </a:solidFill>
+              </a:rPr>
+              <a:t> </a:t>
+            </a:r>
+            <a:r>
+              <a:rPr lang="en-US" dirty="0" err="1">
+                <a:solidFill>
+                  <a:schemeClr val="bg1"/>
+                </a:solidFill>
+              </a:rPr>
+              <a:t>menggunakan</a:t>
+            </a:r>
+            <a:r>
+              <a:rPr lang="en-US" dirty="0">
+                <a:solidFill>
+                  <a:schemeClr val="bg1"/>
+                </a:solidFill>
+              </a:rPr>
+              <a:t> </a:t>
+            </a:r>
+            <a:r>
+              <a:rPr lang="en-US" dirty="0" err="1">
+                <a:solidFill>
+                  <a:schemeClr val="bg1"/>
+                </a:solidFill>
+              </a:rPr>
+              <a:t>fitur</a:t>
+            </a:r>
+            <a:r>
+              <a:rPr lang="en-US" dirty="0">
+                <a:solidFill>
+                  <a:schemeClr val="bg1"/>
+                </a:solidFill>
+              </a:rPr>
+              <a:t> signup </a:t>
+            </a:r>
+            <a:r>
+              <a:rPr lang="en-US" dirty="0" err="1">
+                <a:solidFill>
+                  <a:schemeClr val="bg1"/>
+                </a:solidFill>
+              </a:rPr>
+              <a:t>atau</a:t>
+            </a:r>
+            <a:r>
+              <a:rPr lang="en-US" dirty="0">
+                <a:solidFill>
+                  <a:schemeClr val="bg1"/>
+                </a:solidFill>
+              </a:rPr>
+              <a:t> </a:t>
+            </a:r>
+            <a:r>
+              <a:rPr lang="en-US" dirty="0" err="1">
+                <a:solidFill>
+                  <a:schemeClr val="bg1"/>
+                </a:solidFill>
+              </a:rPr>
+              <a:t>bisa</a:t>
+            </a:r>
+            <a:r>
+              <a:rPr lang="en-US" dirty="0">
+                <a:solidFill>
+                  <a:schemeClr val="bg1"/>
+                </a:solidFill>
+              </a:rPr>
+              <a:t> </a:t>
+            </a:r>
+            <a:r>
+              <a:rPr lang="en-US" dirty="0" err="1">
+                <a:solidFill>
+                  <a:schemeClr val="bg1"/>
+                </a:solidFill>
+              </a:rPr>
+              <a:t>memakai</a:t>
+            </a:r>
+            <a:r>
+              <a:rPr lang="en-US" dirty="0">
+                <a:solidFill>
+                  <a:schemeClr val="bg1"/>
+                </a:solidFill>
+              </a:rPr>
+              <a:t> </a:t>
+            </a:r>
+            <a:r>
+              <a:rPr lang="en-US" dirty="0" err="1">
+                <a:solidFill>
+                  <a:schemeClr val="bg1"/>
+                </a:solidFill>
+              </a:rPr>
+              <a:t>langsung</a:t>
+            </a:r>
+            <a:r>
+              <a:rPr lang="en-US" dirty="0">
+                <a:solidFill>
+                  <a:schemeClr val="bg1"/>
+                </a:solidFill>
+              </a:rPr>
+              <a:t> user yang </a:t>
+            </a:r>
+            <a:r>
+              <a:rPr lang="en-US" dirty="0" err="1">
+                <a:solidFill>
+                  <a:schemeClr val="bg1"/>
+                </a:solidFill>
+              </a:rPr>
+              <a:t>telah</a:t>
+            </a:r>
+            <a:r>
+              <a:rPr lang="en-US" dirty="0">
+                <a:solidFill>
+                  <a:schemeClr val="bg1"/>
+                </a:solidFill>
+              </a:rPr>
+              <a:t> kami </a:t>
+            </a:r>
+            <a:r>
+              <a:rPr lang="en-US" dirty="0" err="1">
+                <a:solidFill>
+                  <a:schemeClr val="bg1"/>
+                </a:solidFill>
+              </a:rPr>
+              <a:t>sediakan</a:t>
+            </a:r>
+            <a:r>
+              <a:rPr lang="en-US" dirty="0">
+                <a:solidFill>
+                  <a:schemeClr val="bg1"/>
+                </a:solidFill>
+              </a:rPr>
+              <a:t> </a:t>
+            </a:r>
+            <a:r>
+              <a:rPr lang="en-US" dirty="0" err="1">
+                <a:solidFill>
+                  <a:schemeClr val="bg1"/>
+                </a:solidFill>
+              </a:rPr>
+              <a:t>sebagai</a:t>
+            </a:r>
+            <a:r>
+              <a:rPr lang="en-US" dirty="0">
+                <a:solidFill>
+                  <a:schemeClr val="bg1"/>
+                </a:solidFill>
+              </a:rPr>
+              <a:t> </a:t>
+            </a:r>
+            <a:r>
+              <a:rPr lang="en-US" dirty="0" err="1">
+                <a:solidFill>
+                  <a:schemeClr val="bg1"/>
+                </a:solidFill>
+              </a:rPr>
+              <a:t>berikut</a:t>
+            </a:r>
+            <a:r>
+              <a:rPr lang="en-US" dirty="0">
+                <a:solidFill>
+                  <a:schemeClr val="bg1"/>
+                </a:solidFill>
+              </a:rPr>
+              <a:t>:</a:t>
+            </a:r>
+            <a:br>
+              <a:rPr lang="en-US" dirty="0">
+                <a:solidFill>
+                  <a:schemeClr val="bg1"/>
+                </a:solidFill>
+              </a:rPr>
+            </a:br>
+            <a:br>
+              <a:rPr lang="en-US" dirty="0">
+                <a:solidFill>
+                  <a:schemeClr val="bg1"/>
+                </a:solidFill>
+              </a:rPr>
+            </a:br>
+            <a:r>
+              <a:rPr lang="en-US" dirty="0">
+                <a:solidFill>
+                  <a:schemeClr val="bg1"/>
+                </a:solidFill>
+              </a:rPr>
+              <a:t>User1:</a:t>
+            </a:r>
+            <a:br>
+              <a:rPr lang="en-US" dirty="0">
+                <a:solidFill>
+                  <a:schemeClr val="bg1"/>
+                </a:solidFill>
+              </a:rPr>
+            </a:br>
+            <a:r>
+              <a:rPr lang="en-US" dirty="0">
+                <a:solidFill>
+                  <a:schemeClr val="bg1"/>
+                </a:solidFill>
+              </a:rPr>
+              <a:t>email: </a:t>
+            </a:r>
+            <a:r>
+              <a:rPr lang="en-US" u="sng" dirty="0">
+                <a:solidFill>
+                  <a:schemeClr val="bg1"/>
+                </a:solidFill>
+                <a:hlinkClick r:id="rId3">
+                  <a:extLst>
+                    <a:ext uri="{A12FA001-AC4F-418D-AE19-62706E023703}">
+                      <ahyp:hlinkClr xmlns:ahyp="http://schemas.microsoft.com/office/drawing/2018/hyperlinkcolor" val="tx"/>
+                    </a:ext>
+                  </a:extLst>
+                </a:hlinkClick>
+              </a:rPr>
+              <a:t>user1@gmail.com</a:t>
+            </a:r>
+            <a:br>
+              <a:rPr lang="en-US" dirty="0">
+                <a:solidFill>
+                  <a:schemeClr val="bg1"/>
+                </a:solidFill>
+              </a:rPr>
+            </a:br>
+            <a:r>
+              <a:rPr lang="en-US" dirty="0">
+                <a:solidFill>
+                  <a:schemeClr val="bg1"/>
+                </a:solidFill>
+              </a:rPr>
+              <a:t>pass: 12345</a:t>
+            </a:r>
+          </a:p>
+          <a:p>
+            <a:endParaRPr lang="en-US" dirty="0">
+              <a:solidFill>
+                <a:schemeClr val="bg1"/>
+              </a:solidFill>
+            </a:endParaRPr>
+          </a:p>
+          <a:p>
+            <a:r>
+              <a:rPr lang="en-US" dirty="0">
+                <a:solidFill>
+                  <a:schemeClr val="bg1"/>
+                </a:solidFill>
+              </a:rPr>
+              <a:t>User2:</a:t>
+            </a:r>
+            <a:br>
+              <a:rPr lang="en-US" dirty="0">
+                <a:solidFill>
+                  <a:schemeClr val="bg1"/>
+                </a:solidFill>
+              </a:rPr>
+            </a:br>
+            <a:r>
+              <a:rPr lang="en-US" dirty="0">
+                <a:solidFill>
+                  <a:schemeClr val="bg1"/>
+                </a:solidFill>
+              </a:rPr>
+              <a:t>email: </a:t>
+            </a:r>
+            <a:r>
+              <a:rPr lang="en-US" u="sng" dirty="0">
+                <a:solidFill>
+                  <a:schemeClr val="bg1"/>
+                </a:solidFill>
+                <a:hlinkClick r:id="rId4">
+                  <a:extLst>
+                    <a:ext uri="{A12FA001-AC4F-418D-AE19-62706E023703}">
+                      <ahyp:hlinkClr xmlns:ahyp="http://schemas.microsoft.com/office/drawing/2018/hyperlinkcolor" val="tx"/>
+                    </a:ext>
+                  </a:extLst>
+                </a:hlinkClick>
+              </a:rPr>
+              <a:t>user2@gmail.com</a:t>
+            </a:r>
+            <a:br>
+              <a:rPr lang="en-US" dirty="0">
+                <a:solidFill>
+                  <a:schemeClr val="bg1"/>
+                </a:solidFill>
+              </a:rPr>
+            </a:br>
+            <a:r>
+              <a:rPr lang="en-US" dirty="0">
+                <a:solidFill>
+                  <a:schemeClr val="bg1"/>
+                </a:solidFill>
+              </a:rPr>
+              <a:t>pass: 12345</a:t>
+            </a:r>
+          </a:p>
+          <a:p>
+            <a:endParaRPr lang="en-US" dirty="0">
+              <a:solidFill>
+                <a:schemeClr val="bg1"/>
+              </a:solidFill>
+            </a:endParaRPr>
+          </a:p>
+          <a:p>
+            <a:endParaRPr lang="en-ID" dirty="0">
+              <a:solidFill>
+                <a:schemeClr val="bg1"/>
+              </a:solidFill>
+            </a:endParaRPr>
+          </a:p>
+        </p:txBody>
+      </p:sp>
+    </p:spTree>
+    <p:extLst>
+      <p:ext uri="{BB962C8B-B14F-4D97-AF65-F5344CB8AC3E}">
+        <p14:creationId xmlns:p14="http://schemas.microsoft.com/office/powerpoint/2010/main" val="796546988"/>
+      </p:ext>
+    </p:extLst>
+  </p:cSld>
+  <p:clrMapOvr>
+    <a:masterClrMapping/>
+  </p:clrMapOvr>
+</p:sld>
+</file>
+
 <file path=ppt/slides/slide2.xml><?xml version="1.0" encoding="utf-8"?>
 <p:sld xmlns:a="http://schemas.openxmlformats.org/drawingml/2006/main" xmlns:r="http://schemas.openxmlformats.org/officeDocument/2006/relationships" xmlns:p="http://schemas.openxmlformats.org/presentationml/2006/main">
   <p:cSld>
@@ -8214,6 +9855,900 @@
     <p:extLst>
       <p:ext uri="{BB962C8B-B14F-4D97-AF65-F5344CB8AC3E}">
         <p14:creationId xmlns:p14="http://schemas.microsoft.com/office/powerpoint/2010/main" val="1720992051"/>
+      </p:ext>
+    </p:extLst>
+  </p:cSld>
+  <p:clrMapOvr>
+    <a:masterClrMapping/>
+  </p:clrMapOvr>
+</p:sld>
+</file>
+
+<file path=ppt/slides/slide5.xml><?xml version="1.0" encoding="utf-8"?>
+<p:sld xmlns:a="http://schemas.openxmlformats.org/drawingml/2006/main" xmlns:r="http://schemas.openxmlformats.org/officeDocument/2006/relationships" xmlns:p="http://schemas.openxmlformats.org/presentationml/2006/main">
+  <p:cSld>
+    <p:spTree>
+      <p:nvGrpSpPr>
+        <p:cNvPr id="1" name=""/>
+        <p:cNvGrpSpPr/>
+        <p:nvPr/>
+      </p:nvGrpSpPr>
+      <p:grpSpPr>
+        <a:xfrm>
+          <a:off x="0" y="0"/>
+          <a:ext cx="0" cy="0"/>
+          <a:chOff x="0" y="0"/>
+          <a:chExt cx="0" cy="0"/>
+        </a:xfrm>
+      </p:grpSpPr>
+      <p:sp>
+        <p:nvSpPr>
+          <p:cNvPr id="14" name="TextBox 13">
+            <a:extLst>
+              <a:ext uri="{FF2B5EF4-FFF2-40B4-BE49-F238E27FC236}">
+                <a16:creationId xmlns:a16="http://schemas.microsoft.com/office/drawing/2014/main" id="{95158406-E475-13DE-3B3F-11802BB0782E}"/>
+              </a:ext>
+            </a:extLst>
+          </p:cNvPr>
+          <p:cNvSpPr txBox="1"/>
+          <p:nvPr/>
+        </p:nvSpPr>
+        <p:spPr>
+          <a:xfrm>
+            <a:off x="948267" y="567267"/>
+            <a:ext cx="10464800" cy="646331"/>
+          </a:xfrm>
+          <a:prstGeom prst="rect">
+            <a:avLst/>
+          </a:prstGeom>
+          <a:noFill/>
+        </p:spPr>
+        <p:txBody>
+          <a:bodyPr wrap="square" rtlCol="0">
+            <a:spAutoFit/>
+          </a:bodyPr>
+          <a:lstStyle/>
+          <a:p>
+            <a:r>
+              <a:rPr lang="en-US" sz="3600" dirty="0">
+                <a:solidFill>
+                  <a:srgbClr val="FFFFFF"/>
+                </a:solidFill>
+                <a:latin typeface="COCOGOOSE" panose="02000000000000000000" pitchFamily="2" charset="0"/>
+              </a:rPr>
+              <a:t>DOKUMENTASI</a:t>
+            </a:r>
+            <a:endParaRPr lang="en-ID" sz="3600" dirty="0">
+              <a:solidFill>
+                <a:srgbClr val="FFFFFF"/>
+              </a:solidFill>
+              <a:latin typeface="COCOGOOSE" panose="02000000000000000000" pitchFamily="2" charset="0"/>
+            </a:endParaRPr>
+          </a:p>
+        </p:txBody>
+      </p:sp>
+      <p:pic>
+        <p:nvPicPr>
+          <p:cNvPr id="3" name="Picture 2">
+            <a:extLst>
+              <a:ext uri="{FF2B5EF4-FFF2-40B4-BE49-F238E27FC236}">
+                <a16:creationId xmlns:a16="http://schemas.microsoft.com/office/drawing/2014/main" id="{F57B8A72-13F6-0D1E-8E46-27DD1A35D5CC}"/>
+              </a:ext>
+            </a:extLst>
+          </p:cNvPr>
+          <p:cNvPicPr>
+            <a:picLocks noChangeAspect="1"/>
+          </p:cNvPicPr>
+          <p:nvPr/>
+        </p:nvPicPr>
+        <p:blipFill>
+          <a:blip r:embed="rId2"/>
+          <a:stretch>
+            <a:fillRect/>
+          </a:stretch>
+        </p:blipFill>
+        <p:spPr>
+          <a:xfrm>
+            <a:off x="1904921" y="1509282"/>
+            <a:ext cx="8551492" cy="4632058"/>
+          </a:xfrm>
+          <a:prstGeom prst="rect">
+            <a:avLst/>
+          </a:prstGeom>
+        </p:spPr>
+      </p:pic>
+      <p:sp>
+        <p:nvSpPr>
+          <p:cNvPr id="4" name="TextBox 3">
+            <a:extLst>
+              <a:ext uri="{FF2B5EF4-FFF2-40B4-BE49-F238E27FC236}">
+                <a16:creationId xmlns:a16="http://schemas.microsoft.com/office/drawing/2014/main" id="{B12941E6-9476-7AF5-6228-21BEA590EEBD}"/>
+              </a:ext>
+            </a:extLst>
+          </p:cNvPr>
+          <p:cNvSpPr txBox="1"/>
+          <p:nvPr/>
+        </p:nvSpPr>
+        <p:spPr>
+          <a:xfrm>
+            <a:off x="1904921" y="2214389"/>
+            <a:ext cx="2700471" cy="369332"/>
+          </a:xfrm>
+          <a:prstGeom prst="rect">
+            <a:avLst/>
+          </a:prstGeom>
+          <a:noFill/>
+        </p:spPr>
+        <p:txBody>
+          <a:bodyPr wrap="square" rtlCol="0">
+            <a:spAutoFit/>
+          </a:bodyPr>
+          <a:lstStyle/>
+          <a:p>
+            <a:r>
+              <a:rPr lang="en-US" dirty="0" err="1">
+                <a:solidFill>
+                  <a:schemeClr val="bg1"/>
+                </a:solidFill>
+              </a:rPr>
+              <a:t>Tampilan</a:t>
+            </a:r>
+            <a:r>
+              <a:rPr lang="en-US" dirty="0">
+                <a:solidFill>
+                  <a:schemeClr val="bg1"/>
+                </a:solidFill>
+              </a:rPr>
+              <a:t> home</a:t>
+            </a:r>
+            <a:endParaRPr lang="en-ID" dirty="0">
+              <a:solidFill>
+                <a:schemeClr val="bg1"/>
+              </a:solidFill>
+            </a:endParaRPr>
+          </a:p>
+        </p:txBody>
+      </p:sp>
+    </p:spTree>
+    <p:extLst>
+      <p:ext uri="{BB962C8B-B14F-4D97-AF65-F5344CB8AC3E}">
+        <p14:creationId xmlns:p14="http://schemas.microsoft.com/office/powerpoint/2010/main" val="2431883210"/>
+      </p:ext>
+    </p:extLst>
+  </p:cSld>
+  <p:clrMapOvr>
+    <a:masterClrMapping/>
+  </p:clrMapOvr>
+</p:sld>
+</file>
+
+<file path=ppt/slides/slide6.xml><?xml version="1.0" encoding="utf-8"?>
+<p:sld xmlns:a="http://schemas.openxmlformats.org/drawingml/2006/main" xmlns:r="http://schemas.openxmlformats.org/officeDocument/2006/relationships" xmlns:p="http://schemas.openxmlformats.org/presentationml/2006/main">
+  <p:cSld>
+    <p:spTree>
+      <p:nvGrpSpPr>
+        <p:cNvPr id="1" name=""/>
+        <p:cNvGrpSpPr/>
+        <p:nvPr/>
+      </p:nvGrpSpPr>
+      <p:grpSpPr>
+        <a:xfrm>
+          <a:off x="0" y="0"/>
+          <a:ext cx="0" cy="0"/>
+          <a:chOff x="0" y="0"/>
+          <a:chExt cx="0" cy="0"/>
+        </a:xfrm>
+      </p:grpSpPr>
+      <p:pic>
+        <p:nvPicPr>
+          <p:cNvPr id="5" name="Picture 4">
+            <a:extLst>
+              <a:ext uri="{FF2B5EF4-FFF2-40B4-BE49-F238E27FC236}">
+                <a16:creationId xmlns:a16="http://schemas.microsoft.com/office/drawing/2014/main" id="{C521EAC6-804E-C192-EFB5-AA1D3968BE0F}"/>
+              </a:ext>
+            </a:extLst>
+          </p:cNvPr>
+          <p:cNvPicPr>
+            <a:picLocks noChangeAspect="1"/>
+          </p:cNvPicPr>
+          <p:nvPr/>
+        </p:nvPicPr>
+        <p:blipFill>
+          <a:blip r:embed="rId2"/>
+          <a:stretch>
+            <a:fillRect/>
+          </a:stretch>
+        </p:blipFill>
+        <p:spPr>
+          <a:xfrm>
+            <a:off x="1601545" y="1330018"/>
+            <a:ext cx="9158243" cy="4960715"/>
+          </a:xfrm>
+          <a:prstGeom prst="rect">
+            <a:avLst/>
+          </a:prstGeom>
+        </p:spPr>
+      </p:pic>
+      <p:sp>
+        <p:nvSpPr>
+          <p:cNvPr id="14" name="TextBox 13">
+            <a:extLst>
+              <a:ext uri="{FF2B5EF4-FFF2-40B4-BE49-F238E27FC236}">
+                <a16:creationId xmlns:a16="http://schemas.microsoft.com/office/drawing/2014/main" id="{95158406-E475-13DE-3B3F-11802BB0782E}"/>
+              </a:ext>
+            </a:extLst>
+          </p:cNvPr>
+          <p:cNvSpPr txBox="1"/>
+          <p:nvPr/>
+        </p:nvSpPr>
+        <p:spPr>
+          <a:xfrm>
+            <a:off x="948267" y="567267"/>
+            <a:ext cx="10464800" cy="646331"/>
+          </a:xfrm>
+          <a:prstGeom prst="rect">
+            <a:avLst/>
+          </a:prstGeom>
+          <a:noFill/>
+        </p:spPr>
+        <p:txBody>
+          <a:bodyPr wrap="square" rtlCol="0">
+            <a:spAutoFit/>
+          </a:bodyPr>
+          <a:lstStyle/>
+          <a:p>
+            <a:r>
+              <a:rPr lang="en-US" sz="3600" dirty="0">
+                <a:solidFill>
+                  <a:srgbClr val="FFFFFF"/>
+                </a:solidFill>
+                <a:latin typeface="COCOGOOSE" panose="02000000000000000000" pitchFamily="2" charset="0"/>
+              </a:rPr>
+              <a:t>DOKUMENTASI</a:t>
+            </a:r>
+            <a:endParaRPr lang="en-ID" sz="3600" dirty="0">
+              <a:solidFill>
+                <a:srgbClr val="FFFFFF"/>
+              </a:solidFill>
+              <a:latin typeface="COCOGOOSE" panose="02000000000000000000" pitchFamily="2" charset="0"/>
+            </a:endParaRPr>
+          </a:p>
+        </p:txBody>
+      </p:sp>
+      <p:sp>
+        <p:nvSpPr>
+          <p:cNvPr id="4" name="TextBox 3">
+            <a:extLst>
+              <a:ext uri="{FF2B5EF4-FFF2-40B4-BE49-F238E27FC236}">
+                <a16:creationId xmlns:a16="http://schemas.microsoft.com/office/drawing/2014/main" id="{B12941E6-9476-7AF5-6228-21BEA590EEBD}"/>
+              </a:ext>
+            </a:extLst>
+          </p:cNvPr>
+          <p:cNvSpPr txBox="1"/>
+          <p:nvPr/>
+        </p:nvSpPr>
+        <p:spPr>
+          <a:xfrm>
+            <a:off x="1601545" y="2069111"/>
+            <a:ext cx="2700471" cy="369332"/>
+          </a:xfrm>
+          <a:prstGeom prst="rect">
+            <a:avLst/>
+          </a:prstGeom>
+          <a:noFill/>
+        </p:spPr>
+        <p:txBody>
+          <a:bodyPr wrap="square" rtlCol="0">
+            <a:spAutoFit/>
+          </a:bodyPr>
+          <a:lstStyle/>
+          <a:p>
+            <a:r>
+              <a:rPr lang="en-US" dirty="0" err="1">
+                <a:solidFill>
+                  <a:schemeClr val="bg1"/>
+                </a:solidFill>
+              </a:rPr>
+              <a:t>Tampilan</a:t>
+            </a:r>
+            <a:r>
+              <a:rPr lang="en-US" dirty="0">
+                <a:solidFill>
+                  <a:schemeClr val="bg1"/>
+                </a:solidFill>
+              </a:rPr>
+              <a:t> login</a:t>
+            </a:r>
+            <a:endParaRPr lang="en-ID" dirty="0">
+              <a:solidFill>
+                <a:schemeClr val="bg1"/>
+              </a:solidFill>
+            </a:endParaRPr>
+          </a:p>
+        </p:txBody>
+      </p:sp>
+    </p:spTree>
+    <p:extLst>
+      <p:ext uri="{BB962C8B-B14F-4D97-AF65-F5344CB8AC3E}">
+        <p14:creationId xmlns:p14="http://schemas.microsoft.com/office/powerpoint/2010/main" val="240169250"/>
+      </p:ext>
+    </p:extLst>
+  </p:cSld>
+  <p:clrMapOvr>
+    <a:masterClrMapping/>
+  </p:clrMapOvr>
+</p:sld>
+</file>
+
+<file path=ppt/slides/slide7.xml><?xml version="1.0" encoding="utf-8"?>
+<p:sld xmlns:a="http://schemas.openxmlformats.org/drawingml/2006/main" xmlns:r="http://schemas.openxmlformats.org/officeDocument/2006/relationships" xmlns:p="http://schemas.openxmlformats.org/presentationml/2006/main">
+  <p:cSld>
+    <p:spTree>
+      <p:nvGrpSpPr>
+        <p:cNvPr id="1" name=""/>
+        <p:cNvGrpSpPr/>
+        <p:nvPr/>
+      </p:nvGrpSpPr>
+      <p:grpSpPr>
+        <a:xfrm>
+          <a:off x="0" y="0"/>
+          <a:ext cx="0" cy="0"/>
+          <a:chOff x="0" y="0"/>
+          <a:chExt cx="0" cy="0"/>
+        </a:xfrm>
+      </p:grpSpPr>
+      <p:pic>
+        <p:nvPicPr>
+          <p:cNvPr id="3" name="Picture 2">
+            <a:extLst>
+              <a:ext uri="{FF2B5EF4-FFF2-40B4-BE49-F238E27FC236}">
+                <a16:creationId xmlns:a16="http://schemas.microsoft.com/office/drawing/2014/main" id="{4D7A1760-7202-5BA6-741B-8D3EB86170E2}"/>
+              </a:ext>
+            </a:extLst>
+          </p:cNvPr>
+          <p:cNvPicPr>
+            <a:picLocks noChangeAspect="1"/>
+          </p:cNvPicPr>
+          <p:nvPr/>
+        </p:nvPicPr>
+        <p:blipFill>
+          <a:blip r:embed="rId2"/>
+          <a:stretch>
+            <a:fillRect/>
+          </a:stretch>
+        </p:blipFill>
+        <p:spPr>
+          <a:xfrm>
+            <a:off x="1601545" y="1365746"/>
+            <a:ext cx="8988910" cy="4868992"/>
+          </a:xfrm>
+          <a:prstGeom prst="rect">
+            <a:avLst/>
+          </a:prstGeom>
+        </p:spPr>
+      </p:pic>
+      <p:sp>
+        <p:nvSpPr>
+          <p:cNvPr id="14" name="TextBox 13">
+            <a:extLst>
+              <a:ext uri="{FF2B5EF4-FFF2-40B4-BE49-F238E27FC236}">
+                <a16:creationId xmlns:a16="http://schemas.microsoft.com/office/drawing/2014/main" id="{95158406-E475-13DE-3B3F-11802BB0782E}"/>
+              </a:ext>
+            </a:extLst>
+          </p:cNvPr>
+          <p:cNvSpPr txBox="1"/>
+          <p:nvPr/>
+        </p:nvSpPr>
+        <p:spPr>
+          <a:xfrm>
+            <a:off x="948267" y="567267"/>
+            <a:ext cx="10464800" cy="646331"/>
+          </a:xfrm>
+          <a:prstGeom prst="rect">
+            <a:avLst/>
+          </a:prstGeom>
+          <a:noFill/>
+        </p:spPr>
+        <p:txBody>
+          <a:bodyPr wrap="square" rtlCol="0">
+            <a:spAutoFit/>
+          </a:bodyPr>
+          <a:lstStyle/>
+          <a:p>
+            <a:r>
+              <a:rPr lang="en-US" sz="3600" dirty="0">
+                <a:solidFill>
+                  <a:srgbClr val="FFFFFF"/>
+                </a:solidFill>
+                <a:latin typeface="COCOGOOSE" panose="02000000000000000000" pitchFamily="2" charset="0"/>
+              </a:rPr>
+              <a:t>DOKUMENTASI</a:t>
+            </a:r>
+            <a:endParaRPr lang="en-ID" sz="3600" dirty="0">
+              <a:solidFill>
+                <a:srgbClr val="FFFFFF"/>
+              </a:solidFill>
+              <a:latin typeface="COCOGOOSE" panose="02000000000000000000" pitchFamily="2" charset="0"/>
+            </a:endParaRPr>
+          </a:p>
+        </p:txBody>
+      </p:sp>
+      <p:sp>
+        <p:nvSpPr>
+          <p:cNvPr id="4" name="TextBox 3">
+            <a:extLst>
+              <a:ext uri="{FF2B5EF4-FFF2-40B4-BE49-F238E27FC236}">
+                <a16:creationId xmlns:a16="http://schemas.microsoft.com/office/drawing/2014/main" id="{B12941E6-9476-7AF5-6228-21BEA590EEBD}"/>
+              </a:ext>
+            </a:extLst>
+          </p:cNvPr>
+          <p:cNvSpPr txBox="1"/>
+          <p:nvPr/>
+        </p:nvSpPr>
+        <p:spPr>
+          <a:xfrm>
+            <a:off x="1601545" y="2069111"/>
+            <a:ext cx="2700471" cy="369332"/>
+          </a:xfrm>
+          <a:prstGeom prst="rect">
+            <a:avLst/>
+          </a:prstGeom>
+          <a:noFill/>
+        </p:spPr>
+        <p:txBody>
+          <a:bodyPr wrap="square" rtlCol="0">
+            <a:spAutoFit/>
+          </a:bodyPr>
+          <a:lstStyle/>
+          <a:p>
+            <a:r>
+              <a:rPr lang="en-US" dirty="0" err="1">
+                <a:solidFill>
+                  <a:schemeClr val="bg1"/>
+                </a:solidFill>
+              </a:rPr>
+              <a:t>Tampilan</a:t>
+            </a:r>
+            <a:r>
+              <a:rPr lang="en-US" dirty="0">
+                <a:solidFill>
+                  <a:schemeClr val="bg1"/>
+                </a:solidFill>
+              </a:rPr>
+              <a:t> signup</a:t>
+            </a:r>
+            <a:endParaRPr lang="en-ID" dirty="0">
+              <a:solidFill>
+                <a:schemeClr val="bg1"/>
+              </a:solidFill>
+            </a:endParaRPr>
+          </a:p>
+        </p:txBody>
+      </p:sp>
+    </p:spTree>
+    <p:extLst>
+      <p:ext uri="{BB962C8B-B14F-4D97-AF65-F5344CB8AC3E}">
+        <p14:creationId xmlns:p14="http://schemas.microsoft.com/office/powerpoint/2010/main" val="3244477639"/>
+      </p:ext>
+    </p:extLst>
+  </p:cSld>
+  <p:clrMapOvr>
+    <a:masterClrMapping/>
+  </p:clrMapOvr>
+</p:sld>
+</file>
+
+<file path=ppt/slides/slide8.xml><?xml version="1.0" encoding="utf-8"?>
+<p:sld xmlns:a="http://schemas.openxmlformats.org/drawingml/2006/main" xmlns:r="http://schemas.openxmlformats.org/officeDocument/2006/relationships" xmlns:p="http://schemas.openxmlformats.org/presentationml/2006/main">
+  <p:cSld>
+    <p:spTree>
+      <p:nvGrpSpPr>
+        <p:cNvPr id="1" name=""/>
+        <p:cNvGrpSpPr/>
+        <p:nvPr/>
+      </p:nvGrpSpPr>
+      <p:grpSpPr>
+        <a:xfrm>
+          <a:off x="0" y="0"/>
+          <a:ext cx="0" cy="0"/>
+          <a:chOff x="0" y="0"/>
+          <a:chExt cx="0" cy="0"/>
+        </a:xfrm>
+      </p:grpSpPr>
+      <p:pic>
+        <p:nvPicPr>
+          <p:cNvPr id="5" name="Picture 4">
+            <a:extLst>
+              <a:ext uri="{FF2B5EF4-FFF2-40B4-BE49-F238E27FC236}">
+                <a16:creationId xmlns:a16="http://schemas.microsoft.com/office/drawing/2014/main" id="{1EDC543F-1808-133C-7E2A-6D9B6B0ABE56}"/>
+              </a:ext>
+            </a:extLst>
+          </p:cNvPr>
+          <p:cNvPicPr>
+            <a:picLocks noChangeAspect="1"/>
+          </p:cNvPicPr>
+          <p:nvPr/>
+        </p:nvPicPr>
+        <p:blipFill>
+          <a:blip r:embed="rId2"/>
+          <a:stretch>
+            <a:fillRect/>
+          </a:stretch>
+        </p:blipFill>
+        <p:spPr>
+          <a:xfrm>
+            <a:off x="1640793" y="1314866"/>
+            <a:ext cx="8910414" cy="4826474"/>
+          </a:xfrm>
+          <a:prstGeom prst="rect">
+            <a:avLst/>
+          </a:prstGeom>
+        </p:spPr>
+      </p:pic>
+      <p:sp>
+        <p:nvSpPr>
+          <p:cNvPr id="14" name="TextBox 13">
+            <a:extLst>
+              <a:ext uri="{FF2B5EF4-FFF2-40B4-BE49-F238E27FC236}">
+                <a16:creationId xmlns:a16="http://schemas.microsoft.com/office/drawing/2014/main" id="{95158406-E475-13DE-3B3F-11802BB0782E}"/>
+              </a:ext>
+            </a:extLst>
+          </p:cNvPr>
+          <p:cNvSpPr txBox="1"/>
+          <p:nvPr/>
+        </p:nvSpPr>
+        <p:spPr>
+          <a:xfrm>
+            <a:off x="948267" y="567267"/>
+            <a:ext cx="10464800" cy="646331"/>
+          </a:xfrm>
+          <a:prstGeom prst="rect">
+            <a:avLst/>
+          </a:prstGeom>
+          <a:noFill/>
+        </p:spPr>
+        <p:txBody>
+          <a:bodyPr wrap="square" rtlCol="0">
+            <a:spAutoFit/>
+          </a:bodyPr>
+          <a:lstStyle/>
+          <a:p>
+            <a:r>
+              <a:rPr lang="en-US" sz="3600" dirty="0">
+                <a:solidFill>
+                  <a:srgbClr val="FFFFFF"/>
+                </a:solidFill>
+                <a:latin typeface="COCOGOOSE" panose="02000000000000000000" pitchFamily="2" charset="0"/>
+              </a:rPr>
+              <a:t>DOKUMENTASI</a:t>
+            </a:r>
+            <a:endParaRPr lang="en-ID" sz="3600" dirty="0">
+              <a:solidFill>
+                <a:srgbClr val="FFFFFF"/>
+              </a:solidFill>
+              <a:latin typeface="COCOGOOSE" panose="02000000000000000000" pitchFamily="2" charset="0"/>
+            </a:endParaRPr>
+          </a:p>
+        </p:txBody>
+      </p:sp>
+      <p:sp>
+        <p:nvSpPr>
+          <p:cNvPr id="4" name="TextBox 3">
+            <a:extLst>
+              <a:ext uri="{FF2B5EF4-FFF2-40B4-BE49-F238E27FC236}">
+                <a16:creationId xmlns:a16="http://schemas.microsoft.com/office/drawing/2014/main" id="{B12941E6-9476-7AF5-6228-21BEA590EEBD}"/>
+              </a:ext>
+            </a:extLst>
+          </p:cNvPr>
+          <p:cNvSpPr txBox="1"/>
+          <p:nvPr/>
+        </p:nvSpPr>
+        <p:spPr>
+          <a:xfrm>
+            <a:off x="221400" y="1411084"/>
+            <a:ext cx="2700471" cy="369332"/>
+          </a:xfrm>
+          <a:prstGeom prst="rect">
+            <a:avLst/>
+          </a:prstGeom>
+          <a:noFill/>
+        </p:spPr>
+        <p:txBody>
+          <a:bodyPr wrap="square" rtlCol="0">
+            <a:spAutoFit/>
+          </a:bodyPr>
+          <a:lstStyle/>
+          <a:p>
+            <a:r>
+              <a:rPr lang="en-US" dirty="0">
+                <a:solidFill>
+                  <a:schemeClr val="bg1"/>
+                </a:solidFill>
+              </a:rPr>
+              <a:t>User: Admin</a:t>
+            </a:r>
+            <a:endParaRPr lang="en-ID" dirty="0">
+              <a:solidFill>
+                <a:schemeClr val="bg1"/>
+              </a:solidFill>
+            </a:endParaRPr>
+          </a:p>
+        </p:txBody>
+      </p:sp>
+      <p:sp>
+        <p:nvSpPr>
+          <p:cNvPr id="7" name="TextBox 6">
+            <a:extLst>
+              <a:ext uri="{FF2B5EF4-FFF2-40B4-BE49-F238E27FC236}">
+                <a16:creationId xmlns:a16="http://schemas.microsoft.com/office/drawing/2014/main" id="{2EE886C4-464A-626A-C1A7-62F8756BDBF8}"/>
+              </a:ext>
+            </a:extLst>
+          </p:cNvPr>
+          <p:cNvSpPr txBox="1"/>
+          <p:nvPr/>
+        </p:nvSpPr>
+        <p:spPr>
+          <a:xfrm>
+            <a:off x="1640793" y="6237558"/>
+            <a:ext cx="3884856" cy="369332"/>
+          </a:xfrm>
+          <a:prstGeom prst="rect">
+            <a:avLst/>
+          </a:prstGeom>
+          <a:noFill/>
+        </p:spPr>
+        <p:txBody>
+          <a:bodyPr wrap="square" rtlCol="0">
+            <a:spAutoFit/>
+          </a:bodyPr>
+          <a:lstStyle/>
+          <a:p>
+            <a:r>
+              <a:rPr lang="en-US" dirty="0" err="1">
+                <a:solidFill>
+                  <a:schemeClr val="bg1"/>
+                </a:solidFill>
+              </a:rPr>
+              <a:t>Tampilan</a:t>
+            </a:r>
+            <a:r>
+              <a:rPr lang="en-US" dirty="0">
+                <a:solidFill>
+                  <a:schemeClr val="bg1"/>
+                </a:solidFill>
+              </a:rPr>
+              <a:t> home (</a:t>
+            </a:r>
+            <a:r>
+              <a:rPr lang="en-US" dirty="0" err="1">
+                <a:solidFill>
+                  <a:schemeClr val="bg1"/>
+                </a:solidFill>
+              </a:rPr>
+              <a:t>setelah</a:t>
+            </a:r>
+            <a:r>
+              <a:rPr lang="en-US" dirty="0">
+                <a:solidFill>
+                  <a:schemeClr val="bg1"/>
+                </a:solidFill>
+              </a:rPr>
+              <a:t> login)</a:t>
+            </a:r>
+            <a:endParaRPr lang="en-ID" dirty="0">
+              <a:solidFill>
+                <a:schemeClr val="bg1"/>
+              </a:solidFill>
+            </a:endParaRPr>
+          </a:p>
+        </p:txBody>
+      </p:sp>
+    </p:spTree>
+    <p:extLst>
+      <p:ext uri="{BB962C8B-B14F-4D97-AF65-F5344CB8AC3E}">
+        <p14:creationId xmlns:p14="http://schemas.microsoft.com/office/powerpoint/2010/main" val="2177629442"/>
+      </p:ext>
+    </p:extLst>
+  </p:cSld>
+  <p:clrMapOvr>
+    <a:masterClrMapping/>
+  </p:clrMapOvr>
+</p:sld>
+</file>
+
+<file path=ppt/slides/slide9.xml><?xml version="1.0" encoding="utf-8"?>
+<p:sld xmlns:a="http://schemas.openxmlformats.org/drawingml/2006/main" xmlns:r="http://schemas.openxmlformats.org/officeDocument/2006/relationships" xmlns:p="http://schemas.openxmlformats.org/presentationml/2006/main">
+  <p:cSld>
+    <p:spTree>
+      <p:nvGrpSpPr>
+        <p:cNvPr id="1" name=""/>
+        <p:cNvGrpSpPr/>
+        <p:nvPr/>
+      </p:nvGrpSpPr>
+      <p:grpSpPr>
+        <a:xfrm>
+          <a:off x="0" y="0"/>
+          <a:ext cx="0" cy="0"/>
+          <a:chOff x="0" y="0"/>
+          <a:chExt cx="0" cy="0"/>
+        </a:xfrm>
+      </p:grpSpPr>
+      <p:pic>
+        <p:nvPicPr>
+          <p:cNvPr id="3" name="Picture 2">
+            <a:extLst>
+              <a:ext uri="{FF2B5EF4-FFF2-40B4-BE49-F238E27FC236}">
+                <a16:creationId xmlns:a16="http://schemas.microsoft.com/office/drawing/2014/main" id="{C7017308-88A3-A4DF-CB77-49FACA97E48D}"/>
+              </a:ext>
+            </a:extLst>
+          </p:cNvPr>
+          <p:cNvPicPr>
+            <a:picLocks noChangeAspect="1"/>
+          </p:cNvPicPr>
+          <p:nvPr/>
+        </p:nvPicPr>
+        <p:blipFill>
+          <a:blip r:embed="rId2"/>
+          <a:stretch>
+            <a:fillRect/>
+          </a:stretch>
+        </p:blipFill>
+        <p:spPr>
+          <a:xfrm>
+            <a:off x="1709159" y="1411084"/>
+            <a:ext cx="8773682" cy="4752412"/>
+          </a:xfrm>
+          <a:prstGeom prst="rect">
+            <a:avLst/>
+          </a:prstGeom>
+        </p:spPr>
+      </p:pic>
+      <p:sp>
+        <p:nvSpPr>
+          <p:cNvPr id="14" name="TextBox 13">
+            <a:extLst>
+              <a:ext uri="{FF2B5EF4-FFF2-40B4-BE49-F238E27FC236}">
+                <a16:creationId xmlns:a16="http://schemas.microsoft.com/office/drawing/2014/main" id="{95158406-E475-13DE-3B3F-11802BB0782E}"/>
+              </a:ext>
+            </a:extLst>
+          </p:cNvPr>
+          <p:cNvSpPr txBox="1"/>
+          <p:nvPr/>
+        </p:nvSpPr>
+        <p:spPr>
+          <a:xfrm>
+            <a:off x="948267" y="567267"/>
+            <a:ext cx="10464800" cy="646331"/>
+          </a:xfrm>
+          <a:prstGeom prst="rect">
+            <a:avLst/>
+          </a:prstGeom>
+          <a:noFill/>
+        </p:spPr>
+        <p:txBody>
+          <a:bodyPr wrap="square" rtlCol="0">
+            <a:spAutoFit/>
+          </a:bodyPr>
+          <a:lstStyle/>
+          <a:p>
+            <a:r>
+              <a:rPr lang="en-US" sz="3600" dirty="0">
+                <a:solidFill>
+                  <a:srgbClr val="FFFFFF"/>
+                </a:solidFill>
+                <a:latin typeface="COCOGOOSE" panose="02000000000000000000" pitchFamily="2" charset="0"/>
+              </a:rPr>
+              <a:t>DOKUMENTASI</a:t>
+            </a:r>
+            <a:endParaRPr lang="en-ID" sz="3600" dirty="0">
+              <a:solidFill>
+                <a:srgbClr val="FFFFFF"/>
+              </a:solidFill>
+              <a:latin typeface="COCOGOOSE" panose="02000000000000000000" pitchFamily="2" charset="0"/>
+            </a:endParaRPr>
+          </a:p>
+        </p:txBody>
+      </p:sp>
+      <p:sp>
+        <p:nvSpPr>
+          <p:cNvPr id="4" name="TextBox 3">
+            <a:extLst>
+              <a:ext uri="{FF2B5EF4-FFF2-40B4-BE49-F238E27FC236}">
+                <a16:creationId xmlns:a16="http://schemas.microsoft.com/office/drawing/2014/main" id="{B12941E6-9476-7AF5-6228-21BEA590EEBD}"/>
+              </a:ext>
+            </a:extLst>
+          </p:cNvPr>
+          <p:cNvSpPr txBox="1"/>
+          <p:nvPr/>
+        </p:nvSpPr>
+        <p:spPr>
+          <a:xfrm>
+            <a:off x="221400" y="1411084"/>
+            <a:ext cx="2700471" cy="369332"/>
+          </a:xfrm>
+          <a:prstGeom prst="rect">
+            <a:avLst/>
+          </a:prstGeom>
+          <a:noFill/>
+        </p:spPr>
+        <p:txBody>
+          <a:bodyPr wrap="square" rtlCol="0">
+            <a:spAutoFit/>
+          </a:bodyPr>
+          <a:lstStyle/>
+          <a:p>
+            <a:r>
+              <a:rPr lang="en-US" dirty="0">
+                <a:solidFill>
+                  <a:schemeClr val="bg1"/>
+                </a:solidFill>
+              </a:rPr>
+              <a:t>User: Admin</a:t>
+            </a:r>
+            <a:endParaRPr lang="en-ID" dirty="0">
+              <a:solidFill>
+                <a:schemeClr val="bg1"/>
+              </a:solidFill>
+            </a:endParaRPr>
+          </a:p>
+        </p:txBody>
+      </p:sp>
+      <p:sp>
+        <p:nvSpPr>
+          <p:cNvPr id="7" name="TextBox 6">
+            <a:extLst>
+              <a:ext uri="{FF2B5EF4-FFF2-40B4-BE49-F238E27FC236}">
+                <a16:creationId xmlns:a16="http://schemas.microsoft.com/office/drawing/2014/main" id="{2EE886C4-464A-626A-C1A7-62F8756BDBF8}"/>
+              </a:ext>
+            </a:extLst>
+          </p:cNvPr>
+          <p:cNvSpPr txBox="1"/>
+          <p:nvPr/>
+        </p:nvSpPr>
+        <p:spPr>
+          <a:xfrm>
+            <a:off x="1640793" y="6237558"/>
+            <a:ext cx="3884856" cy="369332"/>
+          </a:xfrm>
+          <a:prstGeom prst="rect">
+            <a:avLst/>
+          </a:prstGeom>
+          <a:noFill/>
+        </p:spPr>
+        <p:txBody>
+          <a:bodyPr wrap="square" rtlCol="0">
+            <a:spAutoFit/>
+          </a:bodyPr>
+          <a:lstStyle/>
+          <a:p>
+            <a:r>
+              <a:rPr lang="en-US" dirty="0" err="1">
+                <a:solidFill>
+                  <a:schemeClr val="bg1"/>
+                </a:solidFill>
+              </a:rPr>
+              <a:t>Tampilan</a:t>
+            </a:r>
+            <a:r>
+              <a:rPr lang="en-US" dirty="0">
+                <a:solidFill>
+                  <a:schemeClr val="bg1"/>
+                </a:solidFill>
+              </a:rPr>
+              <a:t> supplier</a:t>
+            </a:r>
+            <a:endParaRPr lang="en-ID" dirty="0">
+              <a:solidFill>
+                <a:schemeClr val="bg1"/>
+              </a:solidFill>
+            </a:endParaRPr>
+          </a:p>
+        </p:txBody>
+      </p:sp>
+    </p:spTree>
+    <p:extLst>
+      <p:ext uri="{BB962C8B-B14F-4D97-AF65-F5344CB8AC3E}">
+        <p14:creationId xmlns:p14="http://schemas.microsoft.com/office/powerpoint/2010/main" val="2790106998"/>
       </p:ext>
     </p:extLst>
   </p:cSld>

--- a/Apotek Online.pptx
+++ b/Apotek Online.pptx
@@ -9851,6 +9851,36 @@
           </a:p>
         </p:txBody>
       </p:sp>
+      <p:pic>
+        <p:nvPicPr>
+          <p:cNvPr id="3" name="Picture 2">
+            <a:extLst>
+              <a:ext uri="{FF2B5EF4-FFF2-40B4-BE49-F238E27FC236}">
+                <a16:creationId xmlns:a16="http://schemas.microsoft.com/office/drawing/2014/main" id="{02D8ECC4-CE23-56F9-4643-F1FC8A4989D4}"/>
+              </a:ext>
+            </a:extLst>
+          </p:cNvPr>
+          <p:cNvPicPr>
+            <a:picLocks noChangeAspect="1"/>
+          </p:cNvPicPr>
+          <p:nvPr/>
+        </p:nvPicPr>
+        <p:blipFill>
+          <a:blip r:embed="rId2"/>
+          <a:stretch>
+            <a:fillRect/>
+          </a:stretch>
+        </p:blipFill>
+        <p:spPr>
+          <a:xfrm>
+            <a:off x="3202451" y="1213598"/>
+            <a:ext cx="5787098" cy="5570576"/>
+          </a:xfrm>
+          <a:prstGeom prst="rect">
+            <a:avLst/>
+          </a:prstGeom>
+        </p:spPr>
+      </p:pic>
     </p:spTree>
     <p:extLst>
       <p:ext uri="{BB962C8B-B14F-4D97-AF65-F5344CB8AC3E}">

--- a/Apotek Online.pptx
+++ b/Apotek Online.pptx
@@ -8888,7 +8888,7 @@
                   <a:schemeClr val="bg1"/>
                 </a:solidFill>
               </a:rPr>
-              <a:t>Mempermudah</a:t>
+              <a:t>Sulitnya</a:t>
             </a:r>
             <a:r>
               <a:rPr lang="en-US" sz="2800" dirty="0">
@@ -9001,6 +9001,54 @@
                 </a:solidFill>
               </a:rPr>
               <a:t>obat</a:t>
+            </a:r>
+            <a:r>
+              <a:rPr lang="en-US" sz="2800" dirty="0">
+                <a:solidFill>
+                  <a:schemeClr val="bg1"/>
+                </a:solidFill>
+              </a:rPr>
+              <a:t> </a:t>
+            </a:r>
+            <a:r>
+              <a:rPr lang="en-US" sz="2800" dirty="0" err="1">
+                <a:solidFill>
+                  <a:schemeClr val="bg1"/>
+                </a:solidFill>
+              </a:rPr>
+              <a:t>ke</a:t>
+            </a:r>
+            <a:r>
+              <a:rPr lang="en-US" sz="2800" dirty="0">
+                <a:solidFill>
+                  <a:schemeClr val="bg1"/>
+                </a:solidFill>
+              </a:rPr>
+              <a:t> </a:t>
+            </a:r>
+            <a:r>
+              <a:rPr lang="en-US" sz="2800" dirty="0" err="1">
+                <a:solidFill>
+                  <a:schemeClr val="bg1"/>
+                </a:solidFill>
+              </a:rPr>
+              <a:t>apotek</a:t>
+            </a:r>
+            <a:r>
+              <a:rPr lang="en-US" sz="2800" dirty="0">
+                <a:solidFill>
+                  <a:schemeClr val="bg1"/>
+                </a:solidFill>
+              </a:rPr>
+              <a:t> </a:t>
+            </a:r>
+            <a:r>
+              <a:rPr lang="en-US" sz="2800" dirty="0" err="1">
+                <a:solidFill>
+                  <a:schemeClr val="bg1"/>
+                </a:solidFill>
+              </a:rPr>
+              <a:t>terdekat</a:t>
             </a:r>
             <a:endParaRPr lang="en-US" sz="2800" dirty="0">
               <a:solidFill>

--- a/Apotek Online.pptx
+++ b/Apotek Online.pptx
@@ -25,8 +25,8 @@
     <p:sldId id="454" r:id="rId13"/>
     <p:sldId id="455" r:id="rId14"/>
     <p:sldId id="456" r:id="rId15"/>
-    <p:sldId id="457" r:id="rId16"/>
-    <p:sldId id="458" r:id="rId17"/>
+    <p:sldId id="458" r:id="rId16"/>
+    <p:sldId id="457" r:id="rId17"/>
     <p:sldId id="459" r:id="rId18"/>
   </p:sldIdLst>
   <p:sldSz cx="12192000" cy="6858000"/>
@@ -7495,7 +7495,7 @@
                   <a:schemeClr val="bg1"/>
                 </a:solidFill>
               </a:rPr>
-              <a:t> Riwayat </a:t>
+              <a:t> Cart (</a:t>
             </a:r>
             <a:r>
               <a:rPr lang="en-US" dirty="0" err="1">
@@ -7503,22 +7503,41 @@
                   <a:schemeClr val="bg1"/>
                 </a:solidFill>
               </a:rPr>
-              <a:t>pesanan</a:t>
-            </a:r>
-            <a:endParaRPr lang="en-US" dirty="0">
-              <a:solidFill>
-                <a:schemeClr val="bg1"/>
-              </a:solidFill>
-            </a:endParaRPr>
+              <a:t>keranjang</a:t>
+            </a:r>
+            <a:r>
+              <a:rPr lang="en-US" dirty="0">
+                <a:solidFill>
+                  <a:schemeClr val="bg1"/>
+                </a:solidFill>
+              </a:rPr>
+              <a:t> </a:t>
+            </a:r>
+            <a:r>
+              <a:rPr lang="en-US" dirty="0" err="1">
+                <a:solidFill>
+                  <a:schemeClr val="bg1"/>
+                </a:solidFill>
+              </a:rPr>
+              <a:t>belanja</a:t>
+            </a:r>
+            <a:r>
+              <a:rPr lang="en-US" dirty="0">
+                <a:solidFill>
+                  <a:schemeClr val="bg1"/>
+                </a:solidFill>
+              </a:rPr>
+              <a:t>)</a:t>
+            </a:r>
           </a:p>
         </p:txBody>
       </p:sp>
       <p:pic>
         <p:nvPicPr>
-          <p:cNvPr id="5" name="Picture 4">
-            <a:extLst>
-              <a:ext uri="{FF2B5EF4-FFF2-40B4-BE49-F238E27FC236}">
-                <a16:creationId xmlns:a16="http://schemas.microsoft.com/office/drawing/2014/main" id="{3D69E6AB-13D5-9015-1DF5-F78463F9D0BE}"/>
+          <p:cNvPr id="3" name="Picture 2">
+            <a:extLst>
+              <a:ext uri="{FF2B5EF4-FFF2-40B4-BE49-F238E27FC236}">
+                <a16:creationId xmlns:a16="http://schemas.microsoft.com/office/drawing/2014/main" id="{390EBA36-7D5D-9C1A-21C8-6DC0EDD756CB}"/>
               </a:ext>
             </a:extLst>
           </p:cNvPr>
@@ -7535,8 +7554,8 @@
         </p:blipFill>
         <p:spPr>
           <a:xfrm>
-            <a:off x="1800751" y="1595750"/>
-            <a:ext cx="8590498" cy="4653186"/>
+            <a:off x="2221907" y="1627111"/>
+            <a:ext cx="7748186" cy="4196934"/>
           </a:xfrm>
           <a:prstGeom prst="rect">
             <a:avLst/>
@@ -7546,7 +7565,7 @@
     </p:spTree>
     <p:extLst>
       <p:ext uri="{BB962C8B-B14F-4D97-AF65-F5344CB8AC3E}">
-        <p14:creationId xmlns:p14="http://schemas.microsoft.com/office/powerpoint/2010/main" val="3307578324"/>
+        <p14:creationId xmlns:p14="http://schemas.microsoft.com/office/powerpoint/2010/main" val="237216851"/>
       </p:ext>
     </p:extLst>
   </p:cSld>
@@ -7705,7 +7724,7 @@
                   <a:schemeClr val="bg1"/>
                 </a:solidFill>
               </a:rPr>
-              <a:t> Cart (</a:t>
+              <a:t> Riwayat </a:t>
             </a:r>
             <a:r>
               <a:rPr lang="en-US" dirty="0" err="1">
@@ -7713,32 +7732,13 @@
                   <a:schemeClr val="bg1"/>
                 </a:solidFill>
               </a:rPr>
-              <a:t>keranjang</a:t>
-            </a:r>
-            <a:r>
-              <a:rPr lang="en-US" dirty="0">
-                <a:solidFill>
-                  <a:schemeClr val="bg1"/>
-                </a:solidFill>
-              </a:rPr>
-              <a:t> </a:t>
-            </a:r>
-            <a:r>
-              <a:rPr lang="en-US" dirty="0" err="1">
-                <a:solidFill>
-                  <a:schemeClr val="bg1"/>
-                </a:solidFill>
-              </a:rPr>
-              <a:t>belanja</a:t>
-            </a:r>
-            <a:r>
-              <a:rPr lang="en-US" dirty="0">
-                <a:solidFill>
-                  <a:schemeClr val="bg1"/>
-                </a:solidFill>
-              </a:rPr>
-              <a:t>)</a:t>
-            </a:r>
+              <a:t>pesanan</a:t>
+            </a:r>
+            <a:endParaRPr lang="en-US" dirty="0">
+              <a:solidFill>
+                <a:schemeClr val="bg1"/>
+              </a:solidFill>
+            </a:endParaRPr>
           </a:p>
         </p:txBody>
       </p:sp>
@@ -7747,7 +7747,7 @@
           <p:cNvPr id="3" name="Picture 2">
             <a:extLst>
               <a:ext uri="{FF2B5EF4-FFF2-40B4-BE49-F238E27FC236}">
-                <a16:creationId xmlns:a16="http://schemas.microsoft.com/office/drawing/2014/main" id="{390EBA36-7D5D-9C1A-21C8-6DC0EDD756CB}"/>
+                <a16:creationId xmlns:a16="http://schemas.microsoft.com/office/drawing/2014/main" id="{D28B847F-6107-6D89-8B50-B52ACCF5DD12}"/>
               </a:ext>
             </a:extLst>
           </p:cNvPr>
@@ -7764,8 +7764,8 @@
         </p:blipFill>
         <p:spPr>
           <a:xfrm>
-            <a:off x="2221907" y="1627111"/>
-            <a:ext cx="7748186" cy="4196934"/>
+            <a:off x="1888621" y="1411084"/>
+            <a:ext cx="8414758" cy="4557994"/>
           </a:xfrm>
           <a:prstGeom prst="rect">
             <a:avLst/>
@@ -7775,7 +7775,7 @@
     </p:spTree>
     <p:extLst>
       <p:ext uri="{BB962C8B-B14F-4D97-AF65-F5344CB8AC3E}">
-        <p14:creationId xmlns:p14="http://schemas.microsoft.com/office/powerpoint/2010/main" val="237216851"/>
+        <p14:creationId xmlns:p14="http://schemas.microsoft.com/office/powerpoint/2010/main" val="3307578324"/>
       </p:ext>
     </p:extLst>
   </p:cSld>
